--- a/Week01/分销平台商品系统简介.pptx
+++ b/Week01/分销平台商品系统简介.pptx
@@ -5,26 +5,27 @@
     <p:sldMasterId id="2147483648" r:id="rId1"/>
   </p:sldMasterIdLst>
   <p:notesMasterIdLst>
-    <p:notesMasterId r:id="rId12"/>
+    <p:notesMasterId r:id="rId20"/>
   </p:notesMasterIdLst>
   <p:sldIdLst>
-    <p:sldId id="278" r:id="rId3"/>
-    <p:sldId id="280" r:id="rId4"/>
-    <p:sldId id="273" r:id="rId5"/>
-    <p:sldId id="285" r:id="rId6"/>
-    <p:sldId id="271" r:id="rId7"/>
-    <p:sldId id="264" r:id="rId8"/>
-    <p:sldId id="286" r:id="rId9"/>
-    <p:sldId id="266" r:id="rId10"/>
-    <p:sldId id="267" r:id="rId11"/>
-    <p:sldId id="290" r:id="rId13"/>
-    <p:sldId id="288" r:id="rId14"/>
-    <p:sldId id="289" r:id="rId15"/>
-    <p:sldId id="311" r:id="rId16"/>
-    <p:sldId id="312" r:id="rId17"/>
-    <p:sldId id="287" r:id="rId18"/>
-    <p:sldId id="313" r:id="rId19"/>
-    <p:sldId id="279" r:id="rId20"/>
+    <p:sldId id="278" r:id="rId2"/>
+    <p:sldId id="280" r:id="rId3"/>
+    <p:sldId id="285" r:id="rId4"/>
+    <p:sldId id="271" r:id="rId5"/>
+    <p:sldId id="264" r:id="rId6"/>
+    <p:sldId id="273" r:id="rId7"/>
+    <p:sldId id="286" r:id="rId8"/>
+    <p:sldId id="266" r:id="rId9"/>
+    <p:sldId id="267" r:id="rId10"/>
+    <p:sldId id="290" r:id="rId11"/>
+    <p:sldId id="288" r:id="rId12"/>
+    <p:sldId id="289" r:id="rId13"/>
+    <p:sldId id="311" r:id="rId14"/>
+    <p:sldId id="312" r:id="rId15"/>
+    <p:sldId id="287" r:id="rId16"/>
+    <p:sldId id="314" r:id="rId17"/>
+    <p:sldId id="313" r:id="rId18"/>
+    <p:sldId id="279" r:id="rId19"/>
   </p:sldIdLst>
   <p:sldSz cx="12192000" cy="6858000"/>
   <p:notesSz cx="6858000" cy="9144000"/>
@@ -123,11 +124,16 @@
       </a:defRPr>
     </a:lvl9pPr>
   </p:defaultTextStyle>
+  <p:extLst>
+    <p:ext uri="{EFAFB233-063F-42B5-8137-9DF3F51BA10A}">
+      <p15:sldGuideLst xmlns:p15="http://schemas.microsoft.com/office/powerpoint/2012/main"/>
+    </p:ext>
+  </p:extLst>
 </p:presentation>
 </file>
 
 <file path=ppt/diagrams/colors1.xml><?xml version="1.0" encoding="utf-8"?>
-<dgm:colorsDef xmlns:dgm="http://schemas.openxmlformats.org/drawingml/2006/diagram" xmlns:a="http://schemas.openxmlformats.org/drawingml/2006/main" uniqueId="urn:microsoft.com/office/officeart/2005/8/colors/accent1_2">
+<dgm:colorsDef xmlns:dgm="http://schemas.openxmlformats.org/drawingml/2006/diagram" xmlns:a="http://schemas.openxmlformats.org/drawingml/2006/main" uniqueId="urn:microsoft.com/office/officeart/2005/8/colors/accent1_2#1">
   <dgm:title val=""/>
   <dgm:desc val=""/>
   <dgm:catLst>
@@ -877,7 +883,7 @@
 <dgm:dataModel xmlns:dgm="http://schemas.openxmlformats.org/drawingml/2006/diagram" xmlns:a="http://schemas.openxmlformats.org/drawingml/2006/main">
   <dgm:ptLst>
     <dgm:pt modelId="{874E8662-8C7B-4769-A8DE-FB3FAA254551}" type="doc">
-      <dgm:prSet loTypeId="urn:microsoft.com/office/officeart/2005/8/layout/venn1" loCatId="relationship" qsTypeId="urn:microsoft.com/office/officeart/2005/8/quickstyle/simple1" qsCatId="simple" csTypeId="urn:microsoft.com/office/officeart/2005/8/colors/accent1_2" csCatId="accent1" phldr="1"/>
+      <dgm:prSet loTypeId="urn:microsoft.com/office/officeart/2005/8/layout/venn1" loCatId="relationship" qsTypeId="urn:microsoft.com/office/officeart/2005/8/quickstyle/simple1#1" qsCatId="simple" csTypeId="urn:microsoft.com/office/officeart/2005/8/colors/accent1_2#1" csCatId="accent1" phldr="1"/>
       <dgm:spPr/>
     </dgm:pt>
     <dgm:pt modelId="{99B947B1-9830-4647-93E9-45A8F0BA7724}">
@@ -895,7 +901,7 @@
         </a:p>
       </dgm:t>
     </dgm:pt>
-    <dgm:pt modelId="{902205E0-A61D-484E-AAED-FC51206569C4}" cxnId="{18CD72E6-7436-4B64-BECA-0D600BD2E3BC}" type="parTrans">
+    <dgm:pt modelId="{902205E0-A61D-484E-AAED-FC51206569C4}" type="parTrans" cxnId="{18CD72E6-7436-4B64-BECA-0D600BD2E3BC}">
       <dgm:prSet/>
       <dgm:spPr/>
       <dgm:t>
@@ -906,7 +912,7 @@
         </a:p>
       </dgm:t>
     </dgm:pt>
-    <dgm:pt modelId="{6F6F9A65-C172-4BAE-90D8-9C35D7363355}" cxnId="{18CD72E6-7436-4B64-BECA-0D600BD2E3BC}" type="sibTrans">
+    <dgm:pt modelId="{6F6F9A65-C172-4BAE-90D8-9C35D7363355}" type="sibTrans" cxnId="{18CD72E6-7436-4B64-BECA-0D600BD2E3BC}">
       <dgm:prSet/>
       <dgm:spPr/>
       <dgm:t>
@@ -932,7 +938,7 @@
         </a:p>
       </dgm:t>
     </dgm:pt>
-    <dgm:pt modelId="{26559867-A2A0-40A4-BA78-45A519EE33EF}" cxnId="{49DA78C1-DC4A-4CEE-A1CD-19AB9D2413D3}" type="parTrans">
+    <dgm:pt modelId="{26559867-A2A0-40A4-BA78-45A519EE33EF}" type="parTrans" cxnId="{49DA78C1-DC4A-4CEE-A1CD-19AB9D2413D3}">
       <dgm:prSet/>
       <dgm:spPr/>
       <dgm:t>
@@ -943,7 +949,7 @@
         </a:p>
       </dgm:t>
     </dgm:pt>
-    <dgm:pt modelId="{321E27F8-F1C9-486C-993B-FC6C826C4135}" cxnId="{49DA78C1-DC4A-4CEE-A1CD-19AB9D2413D3}" type="sibTrans">
+    <dgm:pt modelId="{321E27F8-F1C9-486C-993B-FC6C826C4135}" type="sibTrans" cxnId="{49DA78C1-DC4A-4CEE-A1CD-19AB9D2413D3}">
       <dgm:prSet/>
       <dgm:spPr/>
       <dgm:t>
@@ -969,7 +975,7 @@
         </a:p>
       </dgm:t>
     </dgm:pt>
-    <dgm:pt modelId="{8D5B4E8A-0A8B-48E4-84E9-2BB1188776D8}" cxnId="{CB0FB960-4D54-4EFF-B0EF-744C5A913F6E}" type="parTrans">
+    <dgm:pt modelId="{8D5B4E8A-0A8B-48E4-84E9-2BB1188776D8}" type="parTrans" cxnId="{CB0FB960-4D54-4EFF-B0EF-744C5A913F6E}">
       <dgm:prSet/>
       <dgm:spPr/>
       <dgm:t>
@@ -980,7 +986,7 @@
         </a:p>
       </dgm:t>
     </dgm:pt>
-    <dgm:pt modelId="{2717047B-566A-4DA8-93C6-AAD1D4F95F20}" cxnId="{CB0FB960-4D54-4EFF-B0EF-744C5A913F6E}" type="sibTrans">
+    <dgm:pt modelId="{2717047B-566A-4DA8-93C6-AAD1D4F95F20}" type="sibTrans" cxnId="{CB0FB960-4D54-4EFF-B0EF-744C5A913F6E}">
       <dgm:prSet/>
       <dgm:spPr/>
       <dgm:t>
@@ -1006,7 +1012,7 @@
         </a:p>
       </dgm:t>
     </dgm:pt>
-    <dgm:pt modelId="{C6C7DD57-C9B4-435E-8AE5-C95033F27A89}" cxnId="{4410D057-E86B-4428-8352-8FA75CA6E219}" type="parTrans">
+    <dgm:pt modelId="{C6C7DD57-C9B4-435E-8AE5-C95033F27A89}" type="parTrans" cxnId="{4410D057-E86B-4428-8352-8FA75CA6E219}">
       <dgm:prSet/>
       <dgm:spPr/>
       <dgm:t>
@@ -1017,7 +1023,7 @@
         </a:p>
       </dgm:t>
     </dgm:pt>
-    <dgm:pt modelId="{C5D21F05-9CA7-45A1-8716-5D66B954915B}" cxnId="{4410D057-E86B-4428-8352-8FA75CA6E219}" type="sibTrans">
+    <dgm:pt modelId="{C5D21F05-9CA7-45A1-8716-5D66B954915B}" type="sibTrans" cxnId="{4410D057-E86B-4428-8352-8FA75CA6E219}">
       <dgm:prSet/>
       <dgm:spPr/>
       <dgm:t>
@@ -1178,7 +1184,7 @@
   <dgm:whole/>
   <dgm:extLst>
     <a:ext uri="http://schemas.microsoft.com/office/drawing/2008/diagram">
-      <dsp:dataModelExt xmlns:dsp="http://schemas.microsoft.com/office/drawing/2008/diagram" relId="rId5" minVer="http://schemas.openxmlformats.org/drawingml/2006/diagram"/>
+      <dsp:dataModelExt xmlns:dsp="http://schemas.microsoft.com/office/drawing/2008/diagram" relId="rId6" minVer="http://schemas.openxmlformats.org/drawingml/2006/diagram"/>
     </a:ext>
   </dgm:extLst>
 </dgm:dataModel>
@@ -2388,7 +2394,7 @@
 </file>
 
 <file path=ppt/diagrams/quickStyle1.xml><?xml version="1.0" encoding="utf-8"?>
-<dgm:styleDef xmlns:dgm="http://schemas.openxmlformats.org/drawingml/2006/diagram" xmlns:a="http://schemas.openxmlformats.org/drawingml/2006/main" uniqueId="urn:microsoft.com/office/officeart/2005/8/quickstyle/simple1">
+<dgm:styleDef xmlns:dgm="http://schemas.openxmlformats.org/drawingml/2006/diagram" xmlns:a="http://schemas.openxmlformats.org/drawingml/2006/main" uniqueId="urn:microsoft.com/office/officeart/2005/8/quickstyle/simple1#1">
   <dgm:title val=""/>
   <dgm:desc val=""/>
   <dgm:catLst>
@@ -2403,6 +2409,7 @@
       <a:camera prst="orthographicFront"/>
       <a:lightRig rig="threePt" dir="t"/>
     </dgm:scene3d>
+    <dgm:sp3d/>
     <dgm:txPr/>
     <dgm:style>
       <a:lnRef idx="2">
@@ -2422,6 +2429,7 @@
       <a:camera prst="orthographicFront"/>
       <a:lightRig rig="threePt" dir="t"/>
     </dgm:scene3d>
+    <dgm:sp3d/>
     <dgm:txPr/>
     <dgm:style>
       <a:lnRef idx="2">
@@ -2441,6 +2449,7 @@
       <a:camera prst="orthographicFront"/>
       <a:lightRig rig="threePt" dir="t"/>
     </dgm:scene3d>
+    <dgm:sp3d/>
     <dgm:txPr/>
     <dgm:style>
       <a:lnRef idx="2">
@@ -2460,6 +2469,7 @@
       <a:camera prst="orthographicFront"/>
       <a:lightRig rig="threePt" dir="t"/>
     </dgm:scene3d>
+    <dgm:sp3d/>
     <dgm:txPr/>
     <dgm:style>
       <a:lnRef idx="2">
@@ -2481,6 +2491,7 @@
       <a:camera prst="orthographicFront"/>
       <a:lightRig rig="threePt" dir="t"/>
     </dgm:scene3d>
+    <dgm:sp3d/>
     <dgm:txPr/>
     <dgm:style>
       <a:lnRef idx="2">
@@ -2502,6 +2513,7 @@
       <a:camera prst="orthographicFront"/>
       <a:lightRig rig="threePt" dir="t"/>
     </dgm:scene3d>
+    <dgm:sp3d/>
     <dgm:txPr/>
     <dgm:style>
       <a:lnRef idx="2">
@@ -2523,6 +2535,7 @@
       <a:camera prst="orthographicFront"/>
       <a:lightRig rig="threePt" dir="t"/>
     </dgm:scene3d>
+    <dgm:sp3d/>
     <dgm:txPr/>
     <dgm:style>
       <a:lnRef idx="2">
@@ -2544,6 +2557,7 @@
       <a:camera prst="orthographicFront"/>
       <a:lightRig rig="threePt" dir="t"/>
     </dgm:scene3d>
+    <dgm:sp3d/>
     <dgm:txPr/>
     <dgm:style>
       <a:lnRef idx="2">
@@ -2565,6 +2579,7 @@
       <a:camera prst="orthographicFront"/>
       <a:lightRig rig="threePt" dir="t"/>
     </dgm:scene3d>
+    <dgm:sp3d/>
     <dgm:txPr/>
     <dgm:style>
       <a:lnRef idx="2">
@@ -2586,6 +2601,7 @@
       <a:camera prst="orthographicFront"/>
       <a:lightRig rig="threePt" dir="t"/>
     </dgm:scene3d>
+    <dgm:sp3d/>
     <dgm:txPr/>
     <dgm:style>
       <a:lnRef idx="2">
@@ -2605,6 +2621,7 @@
       <a:camera prst="orthographicFront"/>
       <a:lightRig rig="threePt" dir="t"/>
     </dgm:scene3d>
+    <dgm:sp3d/>
     <dgm:txPr/>
     <dgm:style>
       <a:lnRef idx="2">
@@ -2624,6 +2641,7 @@
       <a:camera prst="orthographicFront"/>
       <a:lightRig rig="threePt" dir="t"/>
     </dgm:scene3d>
+    <dgm:sp3d/>
     <dgm:txPr/>
     <dgm:style>
       <a:lnRef idx="2">
@@ -2643,6 +2661,7 @@
       <a:camera prst="orthographicFront"/>
       <a:lightRig rig="threePt" dir="t"/>
     </dgm:scene3d>
+    <dgm:sp3d/>
     <dgm:txPr/>
     <dgm:style>
       <a:lnRef idx="0">
@@ -2662,6 +2681,7 @@
       <a:camera prst="orthographicFront"/>
       <a:lightRig rig="threePt" dir="t"/>
     </dgm:scene3d>
+    <dgm:sp3d/>
     <dgm:txPr/>
     <dgm:style>
       <a:lnRef idx="0">
@@ -2683,6 +2703,7 @@
       <a:camera prst="orthographicFront"/>
       <a:lightRig rig="threePt" dir="t"/>
     </dgm:scene3d>
+    <dgm:sp3d/>
     <dgm:txPr/>
     <dgm:style>
       <a:lnRef idx="2">
@@ -2702,6 +2723,7 @@
       <a:camera prst="orthographicFront"/>
       <a:lightRig rig="threePt" dir="t"/>
     </dgm:scene3d>
+    <dgm:sp3d/>
     <dgm:txPr/>
     <dgm:style>
       <a:lnRef idx="2">
@@ -2721,6 +2743,7 @@
       <a:camera prst="orthographicFront"/>
       <a:lightRig rig="threePt" dir="t"/>
     </dgm:scene3d>
+    <dgm:sp3d/>
     <dgm:txPr/>
     <dgm:style>
       <a:lnRef idx="0">
@@ -2740,6 +2763,7 @@
       <a:camera prst="orthographicFront"/>
       <a:lightRig rig="threePt" dir="t"/>
     </dgm:scene3d>
+    <dgm:sp3d/>
     <dgm:txPr/>
     <dgm:style>
       <a:lnRef idx="2">
@@ -2759,6 +2783,7 @@
       <a:camera prst="orthographicFront"/>
       <a:lightRig rig="threePt" dir="t"/>
     </dgm:scene3d>
+    <dgm:sp3d/>
     <dgm:txPr/>
     <dgm:style>
       <a:lnRef idx="2">
@@ -2778,6 +2803,7 @@
       <a:camera prst="orthographicFront"/>
       <a:lightRig rig="threePt" dir="t"/>
     </dgm:scene3d>
+    <dgm:sp3d/>
     <dgm:txPr/>
     <dgm:style>
       <a:lnRef idx="2">
@@ -2797,6 +2823,7 @@
       <a:camera prst="orthographicFront"/>
       <a:lightRig rig="threePt" dir="t"/>
     </dgm:scene3d>
+    <dgm:sp3d/>
     <dgm:txPr/>
     <dgm:style>
       <a:lnRef idx="2">
@@ -2816,6 +2843,7 @@
       <a:camera prst="orthographicFront"/>
       <a:lightRig rig="threePt" dir="t"/>
     </dgm:scene3d>
+    <dgm:sp3d/>
     <dgm:txPr/>
     <dgm:style>
       <a:lnRef idx="2">
@@ -2835,6 +2863,7 @@
       <a:camera prst="orthographicFront"/>
       <a:lightRig rig="threePt" dir="t"/>
     </dgm:scene3d>
+    <dgm:sp3d/>
     <dgm:txPr/>
     <dgm:style>
       <a:lnRef idx="2">
@@ -2854,6 +2883,7 @@
       <a:camera prst="orthographicFront"/>
       <a:lightRig rig="threePt" dir="t"/>
     </dgm:scene3d>
+    <dgm:sp3d/>
     <dgm:txPr/>
     <dgm:style>
       <a:lnRef idx="2">
@@ -2873,6 +2903,7 @@
       <a:camera prst="orthographicFront"/>
       <a:lightRig rig="threePt" dir="t"/>
     </dgm:scene3d>
+    <dgm:sp3d/>
     <dgm:txPr/>
     <dgm:style>
       <a:lnRef idx="2">
@@ -2892,6 +2923,7 @@
       <a:camera prst="orthographicFront"/>
       <a:lightRig rig="threePt" dir="t"/>
     </dgm:scene3d>
+    <dgm:sp3d/>
     <dgm:txPr/>
     <dgm:style>
       <a:lnRef idx="0">
@@ -2913,6 +2945,7 @@
       <a:camera prst="orthographicFront"/>
       <a:lightRig rig="threePt" dir="t"/>
     </dgm:scene3d>
+    <dgm:sp3d/>
     <dgm:txPr/>
     <dgm:style>
       <a:lnRef idx="2">
@@ -2934,6 +2967,7 @@
       <a:camera prst="orthographicFront"/>
       <a:lightRig rig="threePt" dir="t"/>
     </dgm:scene3d>
+    <dgm:sp3d/>
     <dgm:txPr/>
     <dgm:style>
       <a:lnRef idx="2">
@@ -2955,6 +2989,7 @@
       <a:camera prst="orthographicFront"/>
       <a:lightRig rig="threePt" dir="t"/>
     </dgm:scene3d>
+    <dgm:sp3d/>
     <dgm:txPr/>
     <dgm:style>
       <a:lnRef idx="2">
@@ -2976,6 +3011,7 @@
       <a:camera prst="orthographicFront"/>
       <a:lightRig rig="threePt" dir="t"/>
     </dgm:scene3d>
+    <dgm:sp3d/>
     <dgm:txPr/>
     <dgm:style>
       <a:lnRef idx="2">
@@ -2997,6 +3033,7 @@
       <a:camera prst="orthographicFront"/>
       <a:lightRig rig="threePt" dir="t"/>
     </dgm:scene3d>
+    <dgm:sp3d/>
     <dgm:txPr/>
     <dgm:style>
       <a:lnRef idx="2">
@@ -3018,6 +3055,7 @@
       <a:camera prst="orthographicFront"/>
       <a:lightRig rig="threePt" dir="t"/>
     </dgm:scene3d>
+    <dgm:sp3d/>
     <dgm:txPr/>
     <dgm:style>
       <a:lnRef idx="2">
@@ -3039,6 +3077,7 @@
       <a:camera prst="orthographicFront"/>
       <a:lightRig rig="threePt" dir="t"/>
     </dgm:scene3d>
+    <dgm:sp3d/>
     <dgm:txPr/>
     <dgm:style>
       <a:lnRef idx="2">
@@ -3058,6 +3097,7 @@
       <a:camera prst="orthographicFront"/>
       <a:lightRig rig="threePt" dir="t"/>
     </dgm:scene3d>
+    <dgm:sp3d/>
     <dgm:txPr/>
     <dgm:style>
       <a:lnRef idx="2">
@@ -3077,6 +3117,7 @@
       <a:camera prst="orthographicFront"/>
       <a:lightRig rig="threePt" dir="t"/>
     </dgm:scene3d>
+    <dgm:sp3d/>
     <dgm:txPr/>
     <dgm:style>
       <a:lnRef idx="2">
@@ -3096,6 +3137,7 @@
       <a:camera prst="orthographicFront"/>
       <a:lightRig rig="threePt" dir="t"/>
     </dgm:scene3d>
+    <dgm:sp3d/>
     <dgm:txPr/>
     <dgm:style>
       <a:lnRef idx="2">
@@ -3115,6 +3157,7 @@
       <a:camera prst="orthographicFront"/>
       <a:lightRig rig="threePt" dir="t"/>
     </dgm:scene3d>
+    <dgm:sp3d/>
     <dgm:txPr/>
     <dgm:style>
       <a:lnRef idx="2">
@@ -3136,6 +3179,7 @@
       <a:camera prst="orthographicFront"/>
       <a:lightRig rig="threePt" dir="t"/>
     </dgm:scene3d>
+    <dgm:sp3d/>
     <dgm:txPr/>
     <dgm:style>
       <a:lnRef idx="2">
@@ -3157,6 +3201,7 @@
       <a:camera prst="orthographicFront"/>
       <a:lightRig rig="threePt" dir="t"/>
     </dgm:scene3d>
+    <dgm:sp3d/>
     <dgm:txPr/>
     <dgm:style>
       <a:lnRef idx="2">
@@ -3178,6 +3223,7 @@
       <a:camera prst="orthographicFront"/>
       <a:lightRig rig="threePt" dir="t"/>
     </dgm:scene3d>
+    <dgm:sp3d/>
     <dgm:txPr/>
     <dgm:style>
       <a:lnRef idx="2">
@@ -3199,6 +3245,7 @@
       <a:camera prst="orthographicFront"/>
       <a:lightRig rig="threePt" dir="t"/>
     </dgm:scene3d>
+    <dgm:sp3d/>
     <dgm:txPr/>
     <dgm:style>
       <a:lnRef idx="0">
@@ -3218,6 +3265,7 @@
       <a:camera prst="orthographicFront"/>
       <a:lightRig rig="threePt" dir="t"/>
     </dgm:scene3d>
+    <dgm:sp3d/>
     <dgm:txPr/>
     <dgm:style>
       <a:lnRef idx="1">
@@ -3237,6 +3285,7 @@
       <a:camera prst="orthographicFront"/>
       <a:lightRig rig="threePt" dir="t"/>
     </dgm:scene3d>
+    <dgm:sp3d/>
     <dgm:txPr/>
     <dgm:style>
       <a:lnRef idx="0">
@@ -3258,6 +3307,7 @@
       <a:camera prst="orthographicFront"/>
       <a:lightRig rig="threePt" dir="t"/>
     </dgm:scene3d>
+    <dgm:sp3d/>
     <dgm:txPr/>
     <dgm:style>
       <a:lnRef idx="2">
@@ -3277,6 +3327,7 @@
       <a:camera prst="orthographicFront"/>
       <a:lightRig rig="threePt" dir="t"/>
     </dgm:scene3d>
+    <dgm:sp3d/>
     <dgm:txPr/>
     <dgm:style>
       <a:lnRef idx="2">
@@ -3296,6 +3347,7 @@
       <a:camera prst="orthographicFront"/>
       <a:lightRig rig="threePt" dir="t"/>
     </dgm:scene3d>
+    <dgm:sp3d/>
     <dgm:txPr/>
     <dgm:style>
       <a:lnRef idx="2">
@@ -3315,6 +3367,7 @@
       <a:camera prst="orthographicFront"/>
       <a:lightRig rig="threePt" dir="t"/>
     </dgm:scene3d>
+    <dgm:sp3d/>
     <dgm:txPr/>
     <dgm:style>
       <a:lnRef idx="1">
@@ -3334,6 +3387,7 @@
       <a:camera prst="orthographicFront"/>
       <a:lightRig rig="threePt" dir="t"/>
     </dgm:scene3d>
+    <dgm:sp3d/>
     <dgm:txPr/>
     <dgm:style>
       <a:lnRef idx="0">
@@ -3353,6 +3407,7 @@
       <a:camera prst="orthographicFront"/>
       <a:lightRig rig="threePt" dir="t"/>
     </dgm:scene3d>
+    <dgm:sp3d/>
     <dgm:txPr/>
     <dgm:style>
       <a:lnRef idx="2">
@@ -3454,6 +3509,7 @@
           <a:p>
             <a:fld id="{93128A55-D6BA-4BD0-AD3C-AA0E88ABE69C}" type="datetimeFigureOut">
               <a:rPr lang="zh-CN" altLang="en-US" smtClean="0"/>
+              <a:t>2020/12/27</a:t>
             </a:fld>
             <a:endParaRPr lang="zh-CN" altLang="en-US"/>
           </a:p>
@@ -3520,7 +3576,6 @@
               <a:rPr lang="zh-CN" altLang="en-US" smtClean="0"/>
               <a:t>编辑母版文本样式</a:t>
             </a:r>
-            <a:endParaRPr lang="zh-CN" altLang="en-US" smtClean="0"/>
           </a:p>
           <a:p>
             <a:pPr lvl="1"/>
@@ -3528,7 +3583,6 @@
               <a:rPr lang="zh-CN" altLang="en-US" smtClean="0"/>
               <a:t>第二级</a:t>
             </a:r>
-            <a:endParaRPr lang="zh-CN" altLang="en-US" smtClean="0"/>
           </a:p>
           <a:p>
             <a:pPr lvl="2"/>
@@ -3536,7 +3590,6 @@
               <a:rPr lang="zh-CN" altLang="en-US" smtClean="0"/>
               <a:t>第三级</a:t>
             </a:r>
-            <a:endParaRPr lang="zh-CN" altLang="en-US" smtClean="0"/>
           </a:p>
           <a:p>
             <a:pPr lvl="3"/>
@@ -3544,7 +3597,6 @@
               <a:rPr lang="zh-CN" altLang="en-US" smtClean="0"/>
               <a:t>第四级</a:t>
             </a:r>
-            <a:endParaRPr lang="zh-CN" altLang="en-US" smtClean="0"/>
           </a:p>
           <a:p>
             <a:pPr lvl="4"/>
@@ -3616,6 +3668,7 @@
           <a:p>
             <a:fld id="{1B804EE0-B3B0-42BE-95FB-A782F4DB428F}" type="slidenum">
               <a:rPr lang="zh-CN" altLang="en-US" smtClean="0"/>
+              <a:t>‹#›</a:t>
             </a:fld>
             <a:endParaRPr lang="zh-CN" altLang="en-US"/>
           </a:p>
@@ -3784,6 +3837,7 @@
           <a:p>
             <a:fld id="{1B804EE0-B3B0-42BE-95FB-A782F4DB428F}" type="slidenum">
               <a:rPr lang="zh-CN" altLang="en-US" smtClean="0"/>
+              <a:t>9</a:t>
             </a:fld>
             <a:endParaRPr lang="zh-CN" altLang="en-US"/>
           </a:p>
@@ -3928,6 +3982,7 @@
           <a:p>
             <a:fld id="{813BB89F-5449-4CDB-ADB1-91EE6FC83B72}" type="datetimeFigureOut">
               <a:rPr lang="zh-CN" altLang="en-US" smtClean="0"/>
+              <a:t>2020/12/27</a:t>
             </a:fld>
             <a:endParaRPr lang="zh-CN" altLang="en-US"/>
           </a:p>
@@ -3969,6 +4024,7 @@
           <a:p>
             <a:fld id="{ECE39AA0-8A77-4427-A94E-967988280ED8}" type="slidenum">
               <a:rPr lang="zh-CN" altLang="en-US" smtClean="0"/>
+              <a:t>‹#›</a:t>
             </a:fld>
             <a:endParaRPr lang="zh-CN" altLang="en-US"/>
           </a:p>
@@ -4042,7 +4098,6 @@
               <a:rPr lang="zh-CN" altLang="en-US" smtClean="0"/>
               <a:t>单击此处编辑母版文本样式</a:t>
             </a:r>
-            <a:endParaRPr lang="zh-CN" altLang="en-US" smtClean="0"/>
           </a:p>
           <a:p>
             <a:pPr lvl="1"/>
@@ -4050,7 +4105,6 @@
               <a:rPr lang="zh-CN" altLang="en-US" smtClean="0"/>
               <a:t>第二级</a:t>
             </a:r>
-            <a:endParaRPr lang="zh-CN" altLang="en-US" smtClean="0"/>
           </a:p>
           <a:p>
             <a:pPr lvl="2"/>
@@ -4058,7 +4112,6 @@
               <a:rPr lang="zh-CN" altLang="en-US" smtClean="0"/>
               <a:t>第三级</a:t>
             </a:r>
-            <a:endParaRPr lang="zh-CN" altLang="en-US" smtClean="0"/>
           </a:p>
           <a:p>
             <a:pPr lvl="3"/>
@@ -4066,7 +4119,6 @@
               <a:rPr lang="zh-CN" altLang="en-US" smtClean="0"/>
               <a:t>第四级</a:t>
             </a:r>
-            <a:endParaRPr lang="zh-CN" altLang="en-US" smtClean="0"/>
           </a:p>
           <a:p>
             <a:pPr lvl="4"/>
@@ -4095,6 +4147,7 @@
           <a:p>
             <a:fld id="{813BB89F-5449-4CDB-ADB1-91EE6FC83B72}" type="datetimeFigureOut">
               <a:rPr lang="zh-CN" altLang="en-US" smtClean="0"/>
+              <a:t>2020/12/27</a:t>
             </a:fld>
             <a:endParaRPr lang="zh-CN" altLang="en-US"/>
           </a:p>
@@ -4136,6 +4189,7 @@
           <a:p>
             <a:fld id="{ECE39AA0-8A77-4427-A94E-967988280ED8}" type="slidenum">
               <a:rPr lang="zh-CN" altLang="en-US" smtClean="0"/>
+              <a:t>‹#›</a:t>
             </a:fld>
             <a:endParaRPr lang="zh-CN" altLang="en-US"/>
           </a:p>
@@ -4219,7 +4273,6 @@
               <a:rPr lang="zh-CN" altLang="en-US" smtClean="0"/>
               <a:t>单击此处编辑母版文本样式</a:t>
             </a:r>
-            <a:endParaRPr lang="zh-CN" altLang="en-US" smtClean="0"/>
           </a:p>
           <a:p>
             <a:pPr lvl="1"/>
@@ -4227,7 +4280,6 @@
               <a:rPr lang="zh-CN" altLang="en-US" smtClean="0"/>
               <a:t>第二级</a:t>
             </a:r>
-            <a:endParaRPr lang="zh-CN" altLang="en-US" smtClean="0"/>
           </a:p>
           <a:p>
             <a:pPr lvl="2"/>
@@ -4235,7 +4287,6 @@
               <a:rPr lang="zh-CN" altLang="en-US" smtClean="0"/>
               <a:t>第三级</a:t>
             </a:r>
-            <a:endParaRPr lang="zh-CN" altLang="en-US" smtClean="0"/>
           </a:p>
           <a:p>
             <a:pPr lvl="3"/>
@@ -4243,7 +4294,6 @@
               <a:rPr lang="zh-CN" altLang="en-US" smtClean="0"/>
               <a:t>第四级</a:t>
             </a:r>
-            <a:endParaRPr lang="zh-CN" altLang="en-US" smtClean="0"/>
           </a:p>
           <a:p>
             <a:pPr lvl="4"/>
@@ -4272,6 +4322,7 @@
           <a:p>
             <a:fld id="{813BB89F-5449-4CDB-ADB1-91EE6FC83B72}" type="datetimeFigureOut">
               <a:rPr lang="zh-CN" altLang="en-US" smtClean="0"/>
+              <a:t>2020/12/27</a:t>
             </a:fld>
             <a:endParaRPr lang="zh-CN" altLang="en-US"/>
           </a:p>
@@ -4313,6 +4364,7 @@
           <a:p>
             <a:fld id="{ECE39AA0-8A77-4427-A94E-967988280ED8}" type="slidenum">
               <a:rPr lang="zh-CN" altLang="en-US" smtClean="0"/>
+              <a:t>‹#›</a:t>
             </a:fld>
             <a:endParaRPr lang="zh-CN" altLang="en-US"/>
           </a:p>
@@ -4456,7 +4508,6 @@
               <a:rPr lang="zh-CN" altLang="en-US" smtClean="0"/>
               <a:t>单击此处编辑母版文本样式</a:t>
             </a:r>
-            <a:endParaRPr lang="zh-CN" altLang="en-US" smtClean="0"/>
           </a:p>
           <a:p>
             <a:pPr lvl="1"/>
@@ -4464,7 +4515,6 @@
               <a:rPr lang="zh-CN" altLang="en-US" smtClean="0"/>
               <a:t>第二级</a:t>
             </a:r>
-            <a:endParaRPr lang="zh-CN" altLang="en-US" smtClean="0"/>
           </a:p>
           <a:p>
             <a:pPr lvl="2"/>
@@ -4472,7 +4522,6 @@
               <a:rPr lang="zh-CN" altLang="en-US" smtClean="0"/>
               <a:t>第三级</a:t>
             </a:r>
-            <a:endParaRPr lang="zh-CN" altLang="en-US" smtClean="0"/>
           </a:p>
           <a:p>
             <a:pPr lvl="3"/>
@@ -4480,7 +4529,6 @@
               <a:rPr lang="zh-CN" altLang="en-US" smtClean="0"/>
               <a:t>第四级</a:t>
             </a:r>
-            <a:endParaRPr lang="zh-CN" altLang="en-US" smtClean="0"/>
           </a:p>
           <a:p>
             <a:pPr lvl="4"/>
@@ -4509,6 +4557,7 @@
           <a:p>
             <a:fld id="{813BB89F-5449-4CDB-ADB1-91EE6FC83B72}" type="datetimeFigureOut">
               <a:rPr lang="zh-CN" altLang="en-US" smtClean="0"/>
+              <a:t>2020/12/27</a:t>
             </a:fld>
             <a:endParaRPr lang="zh-CN" altLang="en-US"/>
           </a:p>
@@ -4550,6 +4599,7 @@
           <a:p>
             <a:fld id="{ECE39AA0-8A77-4427-A94E-967988280ED8}" type="slidenum">
               <a:rPr lang="zh-CN" altLang="en-US" smtClean="0"/>
+              <a:t>‹#›</a:t>
             </a:fld>
             <a:endParaRPr lang="zh-CN" altLang="en-US"/>
           </a:p>
@@ -4798,7 +4848,6 @@
               <a:rPr lang="zh-CN" altLang="en-US" smtClean="0"/>
               <a:t>单击此处编辑母版文本样式</a:t>
             </a:r>
-            <a:endParaRPr lang="zh-CN" altLang="en-US" smtClean="0"/>
           </a:p>
         </p:txBody>
       </p:sp>
@@ -4819,6 +4868,7 @@
           <a:p>
             <a:fld id="{813BB89F-5449-4CDB-ADB1-91EE6FC83B72}" type="datetimeFigureOut">
               <a:rPr lang="zh-CN" altLang="en-US" smtClean="0"/>
+              <a:t>2020/12/27</a:t>
             </a:fld>
             <a:endParaRPr lang="zh-CN" altLang="en-US"/>
           </a:p>
@@ -4860,6 +4910,7 @@
           <a:p>
             <a:fld id="{ECE39AA0-8A77-4427-A94E-967988280ED8}" type="slidenum">
               <a:rPr lang="zh-CN" altLang="en-US" smtClean="0"/>
+              <a:t>‹#›</a:t>
             </a:fld>
             <a:endParaRPr lang="zh-CN" altLang="en-US"/>
           </a:p>
@@ -4938,7 +4989,6 @@
               <a:rPr lang="zh-CN" altLang="en-US" smtClean="0"/>
               <a:t>单击此处编辑母版文本样式</a:t>
             </a:r>
-            <a:endParaRPr lang="zh-CN" altLang="en-US" smtClean="0"/>
           </a:p>
           <a:p>
             <a:pPr lvl="1"/>
@@ -4946,7 +4996,6 @@
               <a:rPr lang="zh-CN" altLang="en-US" smtClean="0"/>
               <a:t>第二级</a:t>
             </a:r>
-            <a:endParaRPr lang="zh-CN" altLang="en-US" smtClean="0"/>
           </a:p>
           <a:p>
             <a:pPr lvl="2"/>
@@ -4954,7 +5003,6 @@
               <a:rPr lang="zh-CN" altLang="en-US" smtClean="0"/>
               <a:t>第三级</a:t>
             </a:r>
-            <a:endParaRPr lang="zh-CN" altLang="en-US" smtClean="0"/>
           </a:p>
           <a:p>
             <a:pPr lvl="3"/>
@@ -4962,7 +5010,6 @@
               <a:rPr lang="zh-CN" altLang="en-US" smtClean="0"/>
               <a:t>第四级</a:t>
             </a:r>
-            <a:endParaRPr lang="zh-CN" altLang="en-US" smtClean="0"/>
           </a:p>
           <a:p>
             <a:pPr lvl="4"/>
@@ -4999,7 +5046,6 @@
               <a:rPr lang="zh-CN" altLang="en-US" smtClean="0"/>
               <a:t>单击此处编辑母版文本样式</a:t>
             </a:r>
-            <a:endParaRPr lang="zh-CN" altLang="en-US" smtClean="0"/>
           </a:p>
           <a:p>
             <a:pPr lvl="1"/>
@@ -5007,7 +5053,6 @@
               <a:rPr lang="zh-CN" altLang="en-US" smtClean="0"/>
               <a:t>第二级</a:t>
             </a:r>
-            <a:endParaRPr lang="zh-CN" altLang="en-US" smtClean="0"/>
           </a:p>
           <a:p>
             <a:pPr lvl="2"/>
@@ -5015,7 +5060,6 @@
               <a:rPr lang="zh-CN" altLang="en-US" smtClean="0"/>
               <a:t>第三级</a:t>
             </a:r>
-            <a:endParaRPr lang="zh-CN" altLang="en-US" smtClean="0"/>
           </a:p>
           <a:p>
             <a:pPr lvl="3"/>
@@ -5023,7 +5067,6 @@
               <a:rPr lang="zh-CN" altLang="en-US" smtClean="0"/>
               <a:t>第四级</a:t>
             </a:r>
-            <a:endParaRPr lang="zh-CN" altLang="en-US" smtClean="0"/>
           </a:p>
           <a:p>
             <a:pPr lvl="4"/>
@@ -5052,6 +5095,7 @@
           <a:p>
             <a:fld id="{813BB89F-5449-4CDB-ADB1-91EE6FC83B72}" type="datetimeFigureOut">
               <a:rPr lang="zh-CN" altLang="en-US" smtClean="0"/>
+              <a:t>2020/12/27</a:t>
             </a:fld>
             <a:endParaRPr lang="zh-CN" altLang="en-US"/>
           </a:p>
@@ -5093,6 +5137,7 @@
           <a:p>
             <a:fld id="{ECE39AA0-8A77-4427-A94E-967988280ED8}" type="slidenum">
               <a:rPr lang="zh-CN" altLang="en-US" smtClean="0"/>
+              <a:t>‹#›</a:t>
             </a:fld>
             <a:endParaRPr lang="zh-CN" altLang="en-US"/>
           </a:p>
@@ -5213,7 +5258,6 @@
               <a:rPr lang="zh-CN" altLang="en-US" smtClean="0"/>
               <a:t>单击此处编辑母版文本样式</a:t>
             </a:r>
-            <a:endParaRPr lang="zh-CN" altLang="en-US" smtClean="0"/>
           </a:p>
         </p:txBody>
       </p:sp>
@@ -5242,7 +5286,6 @@
               <a:rPr lang="zh-CN" altLang="en-US" smtClean="0"/>
               <a:t>单击此处编辑母版文本样式</a:t>
             </a:r>
-            <a:endParaRPr lang="zh-CN" altLang="en-US" smtClean="0"/>
           </a:p>
           <a:p>
             <a:pPr lvl="1"/>
@@ -5250,7 +5293,6 @@
               <a:rPr lang="zh-CN" altLang="en-US" smtClean="0"/>
               <a:t>第二级</a:t>
             </a:r>
-            <a:endParaRPr lang="zh-CN" altLang="en-US" smtClean="0"/>
           </a:p>
           <a:p>
             <a:pPr lvl="2"/>
@@ -5258,7 +5300,6 @@
               <a:rPr lang="zh-CN" altLang="en-US" smtClean="0"/>
               <a:t>第三级</a:t>
             </a:r>
-            <a:endParaRPr lang="zh-CN" altLang="en-US" smtClean="0"/>
           </a:p>
           <a:p>
             <a:pPr lvl="3"/>
@@ -5266,7 +5307,6 @@
               <a:rPr lang="zh-CN" altLang="en-US" smtClean="0"/>
               <a:t>第四级</a:t>
             </a:r>
-            <a:endParaRPr lang="zh-CN" altLang="en-US" smtClean="0"/>
           </a:p>
           <a:p>
             <a:pPr lvl="4"/>
@@ -5340,7 +5380,6 @@
               <a:rPr lang="zh-CN" altLang="en-US" smtClean="0"/>
               <a:t>单击此处编辑母版文本样式</a:t>
             </a:r>
-            <a:endParaRPr lang="zh-CN" altLang="en-US" smtClean="0"/>
           </a:p>
         </p:txBody>
       </p:sp>
@@ -5369,7 +5408,6 @@
               <a:rPr lang="zh-CN" altLang="en-US" smtClean="0"/>
               <a:t>单击此处编辑母版文本样式</a:t>
             </a:r>
-            <a:endParaRPr lang="zh-CN" altLang="en-US" smtClean="0"/>
           </a:p>
           <a:p>
             <a:pPr lvl="1"/>
@@ -5377,7 +5415,6 @@
               <a:rPr lang="zh-CN" altLang="en-US" smtClean="0"/>
               <a:t>第二级</a:t>
             </a:r>
-            <a:endParaRPr lang="zh-CN" altLang="en-US" smtClean="0"/>
           </a:p>
           <a:p>
             <a:pPr lvl="2"/>
@@ -5385,7 +5422,6 @@
               <a:rPr lang="zh-CN" altLang="en-US" smtClean="0"/>
               <a:t>第三级</a:t>
             </a:r>
-            <a:endParaRPr lang="zh-CN" altLang="en-US" smtClean="0"/>
           </a:p>
           <a:p>
             <a:pPr lvl="3"/>
@@ -5393,7 +5429,6 @@
               <a:rPr lang="zh-CN" altLang="en-US" smtClean="0"/>
               <a:t>第四级</a:t>
             </a:r>
-            <a:endParaRPr lang="zh-CN" altLang="en-US" smtClean="0"/>
           </a:p>
           <a:p>
             <a:pPr lvl="4"/>
@@ -5422,6 +5457,7 @@
           <a:p>
             <a:fld id="{813BB89F-5449-4CDB-ADB1-91EE6FC83B72}" type="datetimeFigureOut">
               <a:rPr lang="zh-CN" altLang="en-US" smtClean="0"/>
+              <a:t>2020/12/27</a:t>
             </a:fld>
             <a:endParaRPr lang="zh-CN" altLang="en-US"/>
           </a:p>
@@ -5463,6 +5499,7 @@
           <a:p>
             <a:fld id="{ECE39AA0-8A77-4427-A94E-967988280ED8}" type="slidenum">
               <a:rPr lang="zh-CN" altLang="en-US" smtClean="0"/>
+              <a:t>‹#›</a:t>
             </a:fld>
             <a:endParaRPr lang="zh-CN" altLang="en-US"/>
           </a:p>
@@ -5533,6 +5570,7 @@
           <a:p>
             <a:fld id="{813BB89F-5449-4CDB-ADB1-91EE6FC83B72}" type="datetimeFigureOut">
               <a:rPr lang="zh-CN" altLang="en-US" smtClean="0"/>
+              <a:t>2020/12/27</a:t>
             </a:fld>
             <a:endParaRPr lang="zh-CN" altLang="en-US"/>
           </a:p>
@@ -5574,6 +5612,7 @@
           <a:p>
             <a:fld id="{ECE39AA0-8A77-4427-A94E-967988280ED8}" type="slidenum">
               <a:rPr lang="zh-CN" altLang="en-US" smtClean="0"/>
+              <a:t>‹#›</a:t>
             </a:fld>
             <a:endParaRPr lang="zh-CN" altLang="en-US"/>
           </a:p>
@@ -5621,6 +5660,7 @@
           <a:p>
             <a:fld id="{813BB89F-5449-4CDB-ADB1-91EE6FC83B72}" type="datetimeFigureOut">
               <a:rPr lang="zh-CN" altLang="en-US" smtClean="0"/>
+              <a:t>2020/12/27</a:t>
             </a:fld>
             <a:endParaRPr lang="zh-CN" altLang="en-US"/>
           </a:p>
@@ -5662,6 +5702,7 @@
           <a:p>
             <a:fld id="{ECE39AA0-8A77-4427-A94E-967988280ED8}" type="slidenum">
               <a:rPr lang="zh-CN" altLang="en-US" smtClean="0"/>
+              <a:t>‹#›</a:t>
             </a:fld>
             <a:endParaRPr lang="zh-CN" altLang="en-US"/>
           </a:p>
@@ -5777,7 +5818,6 @@
               <a:rPr lang="zh-CN" altLang="en-US" smtClean="0"/>
               <a:t>单击此处编辑母版文本样式</a:t>
             </a:r>
-            <a:endParaRPr lang="zh-CN" altLang="en-US" smtClean="0"/>
           </a:p>
           <a:p>
             <a:pPr lvl="1"/>
@@ -5785,7 +5825,6 @@
               <a:rPr lang="zh-CN" altLang="en-US" smtClean="0"/>
               <a:t>第二级</a:t>
             </a:r>
-            <a:endParaRPr lang="zh-CN" altLang="en-US" smtClean="0"/>
           </a:p>
           <a:p>
             <a:pPr lvl="2"/>
@@ -5793,7 +5832,6 @@
               <a:rPr lang="zh-CN" altLang="en-US" smtClean="0"/>
               <a:t>第三级</a:t>
             </a:r>
-            <a:endParaRPr lang="zh-CN" altLang="en-US" smtClean="0"/>
           </a:p>
           <a:p>
             <a:pPr lvl="3"/>
@@ -5801,7 +5839,6 @@
               <a:rPr lang="zh-CN" altLang="en-US" smtClean="0"/>
               <a:t>第四级</a:t>
             </a:r>
-            <a:endParaRPr lang="zh-CN" altLang="en-US" smtClean="0"/>
           </a:p>
           <a:p>
             <a:pPr lvl="4"/>
@@ -5875,7 +5912,6 @@
               <a:rPr lang="zh-CN" altLang="en-US" smtClean="0"/>
               <a:t>单击此处编辑母版文本样式</a:t>
             </a:r>
-            <a:endParaRPr lang="zh-CN" altLang="en-US" smtClean="0"/>
           </a:p>
         </p:txBody>
       </p:sp>
@@ -5896,6 +5932,7 @@
           <a:p>
             <a:fld id="{813BB89F-5449-4CDB-ADB1-91EE6FC83B72}" type="datetimeFigureOut">
               <a:rPr lang="zh-CN" altLang="en-US" smtClean="0"/>
+              <a:t>2020/12/27</a:t>
             </a:fld>
             <a:endParaRPr lang="zh-CN" altLang="en-US"/>
           </a:p>
@@ -5937,6 +5974,7 @@
           <a:p>
             <a:fld id="{ECE39AA0-8A77-4427-A94E-967988280ED8}" type="slidenum">
               <a:rPr lang="zh-CN" altLang="en-US" smtClean="0"/>
+              <a:t>‹#›</a:t>
             </a:fld>
             <a:endParaRPr lang="zh-CN" altLang="en-US"/>
           </a:p>
@@ -6122,7 +6160,6 @@
               <a:rPr lang="zh-CN" altLang="en-US" smtClean="0"/>
               <a:t>单击此处编辑母版文本样式</a:t>
             </a:r>
-            <a:endParaRPr lang="zh-CN" altLang="en-US" smtClean="0"/>
           </a:p>
         </p:txBody>
       </p:sp>
@@ -6143,6 +6180,7 @@
           <a:p>
             <a:fld id="{813BB89F-5449-4CDB-ADB1-91EE6FC83B72}" type="datetimeFigureOut">
               <a:rPr lang="zh-CN" altLang="en-US" smtClean="0"/>
+              <a:t>2020/12/27</a:t>
             </a:fld>
             <a:endParaRPr lang="zh-CN" altLang="en-US"/>
           </a:p>
@@ -6184,6 +6222,7 @@
           <a:p>
             <a:fld id="{ECE39AA0-8A77-4427-A94E-967988280ED8}" type="slidenum">
               <a:rPr lang="zh-CN" altLang="en-US" smtClean="0"/>
+              <a:t>‹#›</a:t>
             </a:fld>
             <a:endParaRPr lang="zh-CN" altLang="en-US"/>
           </a:p>
@@ -6285,7 +6324,6 @@
               <a:rPr lang="zh-CN" altLang="en-US" smtClean="0"/>
               <a:t>单击此处编辑母版文本样式</a:t>
             </a:r>
-            <a:endParaRPr lang="zh-CN" altLang="en-US" smtClean="0"/>
           </a:p>
           <a:p>
             <a:pPr lvl="1"/>
@@ -6293,7 +6331,6 @@
               <a:rPr lang="zh-CN" altLang="en-US" smtClean="0"/>
               <a:t>第二级</a:t>
             </a:r>
-            <a:endParaRPr lang="zh-CN" altLang="en-US" smtClean="0"/>
           </a:p>
           <a:p>
             <a:pPr lvl="2"/>
@@ -6301,7 +6338,6 @@
               <a:rPr lang="zh-CN" altLang="en-US" smtClean="0"/>
               <a:t>第三级</a:t>
             </a:r>
-            <a:endParaRPr lang="zh-CN" altLang="en-US" smtClean="0"/>
           </a:p>
           <a:p>
             <a:pPr lvl="3"/>
@@ -6309,7 +6345,6 @@
               <a:rPr lang="zh-CN" altLang="en-US" smtClean="0"/>
               <a:t>第四级</a:t>
             </a:r>
-            <a:endParaRPr lang="zh-CN" altLang="en-US" smtClean="0"/>
           </a:p>
           <a:p>
             <a:pPr lvl="4"/>
@@ -6356,6 +6391,7 @@
           <a:p>
             <a:fld id="{813BB89F-5449-4CDB-ADB1-91EE6FC83B72}" type="datetimeFigureOut">
               <a:rPr lang="zh-CN" altLang="en-US" smtClean="0"/>
+              <a:t>2020/12/27</a:t>
             </a:fld>
             <a:endParaRPr lang="zh-CN" altLang="en-US"/>
           </a:p>
@@ -6433,6 +6469,7 @@
           <a:p>
             <a:fld id="{ECE39AA0-8A77-4427-A94E-967988280ED8}" type="slidenum">
               <a:rPr lang="zh-CN" altLang="en-US" smtClean="0"/>
+              <a:t>‹#›</a:t>
             </a:fld>
             <a:endParaRPr lang="zh-CN" altLang="en-US"/>
           </a:p>
@@ -6493,7 +6530,7 @@
           <p:nvPr userDrawn="1"/>
         </p:nvPicPr>
         <p:blipFill>
-          <a:blip r:embed="rId12" cstate="email"/>
+          <a:blip r:embed="rId13" cstate="email"/>
           <a:stretch>
             <a:fillRect/>
           </a:stretch>
@@ -6833,7 +6870,7 @@
           <p:nvPr/>
         </p:nvPicPr>
         <p:blipFill>
-          <a:blip r:embed="rId1" cstate="email"/>
+          <a:blip r:embed="rId2" cstate="email"/>
           <a:stretch>
             <a:fillRect/>
           </a:stretch>
@@ -7080,8 +7117,8 @@
         </p:nvSpPr>
         <p:spPr>
           <a:xfrm>
-            <a:off x="4061250" y="1479000"/>
-            <a:ext cx="1378583" cy="252698"/>
+            <a:off x="4061250" y="1401447"/>
+            <a:ext cx="2010166" cy="407804"/>
           </a:xfrm>
           <a:prstGeom prst="rect">
             <a:avLst/>
@@ -7109,7 +7146,7 @@
           </a:lstStyle>
           <a:p>
             <a:r>
-              <a:rPr lang="en-US" altLang="zh-CN" sz="1100" b="1" dirty="0" err="1">
+              <a:rPr lang="en-US" altLang="zh-CN" sz="1600" b="1" dirty="0" err="1">
                 <a:solidFill>
                   <a:schemeClr val="accent5"/>
                 </a:solidFill>
@@ -7119,7 +7156,7 @@
               <a:t>t_seller</a:t>
             </a:r>
             <a:r>
-              <a:rPr lang="en-US" altLang="zh-CN" sz="1100" b="1" dirty="0">
+              <a:rPr lang="en-US" altLang="zh-CN" sz="1600" b="1" dirty="0">
                 <a:solidFill>
                   <a:schemeClr val="accent5"/>
                 </a:solidFill>
@@ -7129,7 +7166,7 @@
               <a:t> </a:t>
             </a:r>
             <a:r>
-              <a:rPr lang="zh-CN" altLang="en-US" sz="1100" b="1" dirty="0">
+              <a:rPr lang="zh-CN" altLang="en-US" sz="1600" b="1" dirty="0">
                 <a:solidFill>
                   <a:schemeClr val="accent5"/>
                 </a:solidFill>
@@ -7138,7 +7175,7 @@
               </a:rPr>
               <a:t>卖家信息表</a:t>
             </a:r>
-            <a:endParaRPr lang="en-US" altLang="zh-CN" sz="1100" b="1" dirty="0">
+            <a:endParaRPr lang="en-US" altLang="zh-CN" sz="1600" b="1" dirty="0">
               <a:solidFill>
                 <a:schemeClr val="accent5"/>
               </a:solidFill>
@@ -7156,8 +7193,8 @@
         </p:nvSpPr>
         <p:spPr>
           <a:xfrm>
-            <a:off x="3405910" y="1530050"/>
-            <a:ext cx="117020" cy="207749"/>
+            <a:off x="3405910" y="1491578"/>
+            <a:ext cx="152286" cy="284693"/>
           </a:xfrm>
           <a:prstGeom prst="rect">
             <a:avLst/>
@@ -7189,7 +7226,7 @@
           </a:lstStyle>
           <a:p>
             <a:r>
-              <a:rPr sz="1100" b="1" dirty="0" smtClean="0">
+              <a:rPr sz="1600" b="1" dirty="0" smtClean="0">
                 <a:solidFill>
                   <a:srgbClr val="0070C0"/>
                 </a:solidFill>
@@ -7198,7 +7235,7 @@
               </a:rPr>
               <a:t>1</a:t>
             </a:r>
-            <a:endParaRPr sz="1100" b="1" dirty="0">
+            <a:endParaRPr sz="1600" b="1" dirty="0">
               <a:solidFill>
                 <a:srgbClr val="0070C0"/>
               </a:solidFill>
@@ -7236,7 +7273,7 @@
           <a:bodyPr lIns="19050" tIns="19050" rIns="19050" bIns="19050" anchor="ctr"/>
           <a:lstStyle/>
           <a:p>
-            <a:endParaRPr sz="1100" b="1">
+            <a:endParaRPr sz="1600" b="1">
               <a:solidFill>
                 <a:srgbClr val="0070C0"/>
               </a:solidFill>
@@ -7254,8 +7291,8 @@
         </p:nvSpPr>
         <p:spPr>
           <a:xfrm>
-            <a:off x="4061250" y="1959292"/>
-            <a:ext cx="1942840" cy="292388"/>
+            <a:off x="4061250" y="1901584"/>
+            <a:ext cx="2842125" cy="407804"/>
           </a:xfrm>
           <a:prstGeom prst="rect">
             <a:avLst/>
@@ -7283,7 +7320,7 @@
           </a:lstStyle>
           <a:p>
             <a:r>
-              <a:rPr lang="en-US" altLang="zh-CN" sz="1100" b="1" dirty="0" err="1">
+              <a:rPr lang="en-US" altLang="zh-CN" sz="1600" b="1" dirty="0" err="1">
                 <a:solidFill>
                   <a:schemeClr val="accent5"/>
                 </a:solidFill>
@@ -7293,7 +7330,7 @@
               <a:t>t_supplier_sku</a:t>
             </a:r>
             <a:r>
-              <a:rPr lang="en-US" altLang="zh-CN" sz="1100" b="1" dirty="0">
+              <a:rPr lang="en-US" altLang="zh-CN" sz="1600" b="1" dirty="0">
                 <a:solidFill>
                   <a:schemeClr val="accent5"/>
                 </a:solidFill>
@@ -7303,7 +7340,7 @@
               <a:t> </a:t>
             </a:r>
             <a:r>
-              <a:rPr lang="zh-CN" altLang="en-US" sz="1100" b="1" dirty="0">
+              <a:rPr lang="zh-CN" altLang="en-US" sz="1600" b="1" dirty="0">
                 <a:solidFill>
                   <a:schemeClr val="accent5"/>
                 </a:solidFill>
@@ -7312,7 +7349,7 @@
               </a:rPr>
               <a:t>供货商商品表</a:t>
             </a:r>
-            <a:endParaRPr lang="en-US" altLang="zh-CN" sz="1100" b="1" dirty="0">
+            <a:endParaRPr lang="en-US" altLang="zh-CN" sz="1600" b="1" dirty="0">
               <a:solidFill>
                 <a:schemeClr val="accent5"/>
               </a:solidFill>
@@ -7330,8 +7367,8 @@
         </p:nvSpPr>
         <p:spPr>
           <a:xfrm>
-            <a:off x="3405910" y="2030187"/>
-            <a:ext cx="117020" cy="207749"/>
+            <a:off x="3405910" y="1991715"/>
+            <a:ext cx="152286" cy="284693"/>
           </a:xfrm>
           <a:prstGeom prst="rect">
             <a:avLst/>
@@ -7363,7 +7400,7 @@
           </a:lstStyle>
           <a:p>
             <a:r>
-              <a:rPr lang="en-US" sz="1100" b="1" dirty="0" smtClean="0">
+              <a:rPr lang="en-US" sz="1600" b="1" dirty="0" smtClean="0">
                 <a:solidFill>
                   <a:srgbClr val="0070C0"/>
                 </a:solidFill>
@@ -7372,7 +7409,7 @@
               </a:rPr>
               <a:t>2</a:t>
             </a:r>
-            <a:endParaRPr sz="1100" b="1" dirty="0">
+            <a:endParaRPr sz="1600" b="1" dirty="0">
               <a:solidFill>
                 <a:srgbClr val="0070C0"/>
               </a:solidFill>
@@ -7410,7 +7447,7 @@
           <a:bodyPr lIns="19050" tIns="19050" rIns="19050" bIns="19050" anchor="ctr"/>
           <a:lstStyle/>
           <a:p>
-            <a:endParaRPr sz="1100" b="1">
+            <a:endParaRPr sz="1600" b="1">
               <a:solidFill>
                 <a:srgbClr val="0070C0"/>
               </a:solidFill>
@@ -7428,8 +7465,8 @@
         </p:nvSpPr>
         <p:spPr>
           <a:xfrm>
-            <a:off x="4061250" y="2483108"/>
-            <a:ext cx="5447264" cy="260649"/>
+            <a:off x="4061250" y="2409531"/>
+            <a:ext cx="5447264" cy="407804"/>
           </a:xfrm>
           <a:prstGeom prst="rect">
             <a:avLst/>
@@ -7457,7 +7494,7 @@
           </a:lstStyle>
           <a:p>
             <a:r>
-              <a:rPr lang="en-US" altLang="zh-CN" sz="1100" b="1" dirty="0" err="1">
+              <a:rPr lang="en-US" altLang="zh-CN" sz="1600" b="1" dirty="0" err="1">
                 <a:solidFill>
                   <a:schemeClr val="accent5"/>
                 </a:solidFill>
@@ -7467,7 +7504,7 @@
               <a:t>t_supplier_distributor</a:t>
             </a:r>
             <a:r>
-              <a:rPr lang="en-US" altLang="zh-CN" sz="1100" dirty="0" smtClean="0">
+              <a:rPr lang="en-US" altLang="zh-CN" sz="1600" dirty="0" smtClean="0">
                 <a:solidFill>
                   <a:schemeClr val="accent5"/>
                 </a:solidFill>
@@ -7475,36 +7512,16 @@
               <a:t> </a:t>
             </a:r>
             <a:r>
-              <a:rPr lang="zh-CN" altLang="en-US" sz="1100" b="1" dirty="0">
+              <a:rPr lang="zh-CN" altLang="en-US" sz="1600" b="1" dirty="0">
                 <a:solidFill>
                   <a:schemeClr val="accent5"/>
                 </a:solidFill>
                 <a:latin typeface="+mj-ea"/>
                 <a:ea typeface="+mj-ea"/>
               </a:rPr>
-              <a:t>供货</a:t>
-            </a:r>
-            <a:r>
-              <a:rPr lang="zh-CN" altLang="en-US" sz="1100" b="1" dirty="0">
-                <a:solidFill>
-                  <a:schemeClr val="accent5"/>
-                </a:solidFill>
-                <a:latin typeface="+mj-ea"/>
-                <a:ea typeface="+mj-ea"/>
-              </a:rPr>
-              <a:t>商和经销商关系</a:t>
-            </a:r>
-            <a:r>
-              <a:rPr lang="zh-CN" altLang="en-US" sz="1100" b="1" dirty="0">
-                <a:solidFill>
-                  <a:schemeClr val="accent5"/>
-                </a:solidFill>
-                <a:latin typeface="+mj-ea"/>
-                <a:ea typeface="+mj-ea"/>
-              </a:rPr>
-              <a:t>表</a:t>
-            </a:r>
-            <a:endParaRPr lang="en-US" altLang="zh-CN" sz="1100" b="1" dirty="0">
+              <a:t>供货商和经销商关系表</a:t>
+            </a:r>
+            <a:endParaRPr lang="en-US" altLang="zh-CN" sz="1600" b="1" dirty="0">
               <a:solidFill>
                 <a:schemeClr val="accent5"/>
               </a:solidFill>
@@ -7522,8 +7539,8 @@
         </p:nvSpPr>
         <p:spPr>
           <a:xfrm>
-            <a:off x="3405910" y="2526154"/>
-            <a:ext cx="117020" cy="207749"/>
+            <a:off x="3405910" y="2487682"/>
+            <a:ext cx="152286" cy="284693"/>
           </a:xfrm>
           <a:prstGeom prst="rect">
             <a:avLst/>
@@ -7555,7 +7572,7 @@
           </a:lstStyle>
           <a:p>
             <a:r>
-              <a:rPr lang="en-US" sz="1100" b="1" dirty="0" smtClean="0">
+              <a:rPr lang="en-US" sz="1600" b="1" dirty="0" smtClean="0">
                 <a:solidFill>
                   <a:srgbClr val="0070C0"/>
                 </a:solidFill>
@@ -7564,7 +7581,7 @@
               </a:rPr>
               <a:t>3</a:t>
             </a:r>
-            <a:endParaRPr sz="1100" b="1" dirty="0">
+            <a:endParaRPr sz="1600" b="1" dirty="0">
               <a:solidFill>
                 <a:srgbClr val="0070C0"/>
               </a:solidFill>
@@ -7602,7 +7619,7 @@
           <a:bodyPr lIns="19050" tIns="19050" rIns="19050" bIns="19050" anchor="ctr"/>
           <a:lstStyle/>
           <a:p>
-            <a:endParaRPr sz="1100" b="1">
+            <a:endParaRPr sz="1600" b="1">
               <a:solidFill>
                 <a:srgbClr val="0070C0"/>
               </a:solidFill>
@@ -7620,8 +7637,8 @@
         </p:nvSpPr>
         <p:spPr>
           <a:xfrm>
-            <a:off x="4061250" y="2955396"/>
-            <a:ext cx="2577629" cy="292388"/>
+            <a:off x="4061250" y="2897688"/>
+            <a:ext cx="3778278" cy="407804"/>
           </a:xfrm>
           <a:prstGeom prst="rect">
             <a:avLst/>
@@ -7649,7 +7666,7 @@
           </a:lstStyle>
           <a:p>
             <a:r>
-              <a:rPr lang="en-US" altLang="zh-CN" sz="1100" b="1" dirty="0" err="1">
+              <a:rPr lang="en-US" altLang="zh-CN" sz="1600" b="1" dirty="0" err="1">
                 <a:solidFill>
                   <a:schemeClr val="accent5"/>
                 </a:solidFill>
@@ -7659,7 +7676,7 @@
               <a:t>t_store_supplierskuid</a:t>
             </a:r>
             <a:r>
-              <a:rPr lang="en-US" altLang="zh-CN" sz="1100" b="1" dirty="0">
+              <a:rPr lang="en-US" altLang="zh-CN" sz="1600" b="1" dirty="0">
                 <a:solidFill>
                   <a:schemeClr val="accent5"/>
                 </a:solidFill>
@@ -7669,7 +7686,7 @@
               <a:t> </a:t>
             </a:r>
             <a:r>
-              <a:rPr lang="zh-CN" altLang="en-US" sz="1100" b="1" dirty="0">
+              <a:rPr lang="zh-CN" altLang="en-US" sz="1600" b="1" dirty="0">
                 <a:solidFill>
                   <a:schemeClr val="accent5"/>
                 </a:solidFill>
@@ -7678,7 +7695,7 @@
               </a:rPr>
               <a:t>线上商品信息表</a:t>
             </a:r>
-            <a:endParaRPr lang="en-US" altLang="zh-CN" sz="1100" b="1" dirty="0">
+            <a:endParaRPr lang="en-US" altLang="zh-CN" sz="1600" b="1" dirty="0">
               <a:solidFill>
                 <a:schemeClr val="accent5"/>
               </a:solidFill>
@@ -7696,8 +7713,8 @@
         </p:nvSpPr>
         <p:spPr>
           <a:xfrm>
-            <a:off x="3405910" y="3026291"/>
-            <a:ext cx="117020" cy="207749"/>
+            <a:off x="3405910" y="2987819"/>
+            <a:ext cx="152286" cy="284693"/>
           </a:xfrm>
           <a:prstGeom prst="rect">
             <a:avLst/>
@@ -7729,7 +7746,7 @@
           </a:lstStyle>
           <a:p>
             <a:r>
-              <a:rPr lang="en-US" sz="1100" b="1" dirty="0" smtClean="0">
+              <a:rPr lang="en-US" sz="1600" b="1" dirty="0" smtClean="0">
                 <a:solidFill>
                   <a:srgbClr val="0070C0"/>
                 </a:solidFill>
@@ -7738,7 +7755,7 @@
               </a:rPr>
               <a:t>4</a:t>
             </a:r>
-            <a:endParaRPr sz="1100" b="1" dirty="0">
+            <a:endParaRPr sz="1600" b="1" dirty="0">
               <a:solidFill>
                 <a:srgbClr val="0070C0"/>
               </a:solidFill>
@@ -7776,7 +7793,7 @@
           <a:bodyPr lIns="19050" tIns="19050" rIns="19050" bIns="19050" anchor="ctr"/>
           <a:lstStyle/>
           <a:p>
-            <a:endParaRPr sz="1100" b="1">
+            <a:endParaRPr sz="1600" b="1">
               <a:solidFill>
                 <a:srgbClr val="0070C0"/>
               </a:solidFill>
@@ -7794,8 +7811,8 @@
         </p:nvSpPr>
         <p:spPr>
           <a:xfrm>
-            <a:off x="4061250" y="3399376"/>
-            <a:ext cx="1942840" cy="292388"/>
+            <a:off x="4061250" y="3341668"/>
+            <a:ext cx="2840521" cy="407804"/>
           </a:xfrm>
           <a:prstGeom prst="rect">
             <a:avLst/>
@@ -7823,7 +7840,7 @@
           </a:lstStyle>
           <a:p>
             <a:r>
-              <a:rPr lang="en-US" altLang="zh-CN" sz="1100" b="1" dirty="0" err="1">
+              <a:rPr lang="en-US" altLang="zh-CN" sz="1600" b="1" dirty="0" err="1">
                 <a:solidFill>
                   <a:schemeClr val="accent5"/>
                 </a:solidFill>
@@ -7833,7 +7850,7 @@
               <a:t>t_shop_store</a:t>
             </a:r>
             <a:r>
-              <a:rPr lang="en-US" altLang="zh-CN" sz="1100" b="1" dirty="0">
+              <a:rPr lang="en-US" altLang="zh-CN" sz="1600" b="1" dirty="0">
                 <a:solidFill>
                   <a:schemeClr val="accent5"/>
                 </a:solidFill>
@@ -7843,7 +7860,7 @@
               <a:t> </a:t>
             </a:r>
             <a:r>
-              <a:rPr lang="zh-CN" altLang="en-US" sz="1100" b="1" dirty="0">
+              <a:rPr lang="zh-CN" altLang="en-US" sz="1600" b="1" dirty="0">
                 <a:solidFill>
                   <a:schemeClr val="accent5"/>
                 </a:solidFill>
@@ -7853,7 +7870,7 @@
               <a:t>仓库地域</a:t>
             </a:r>
             <a:r>
-              <a:rPr lang="zh-CN" altLang="en-US" sz="1100" b="1" dirty="0" smtClean="0">
+              <a:rPr lang="zh-CN" altLang="en-US" sz="1600" b="1" dirty="0" smtClean="0">
                 <a:solidFill>
                   <a:schemeClr val="accent5"/>
                 </a:solidFill>
@@ -7862,7 +7879,7 @@
               </a:rPr>
               <a:t>信息表</a:t>
             </a:r>
-            <a:endParaRPr lang="en-US" altLang="zh-CN" sz="1100" b="1" dirty="0">
+            <a:endParaRPr lang="en-US" altLang="zh-CN" sz="1600" b="1" dirty="0">
               <a:solidFill>
                 <a:schemeClr val="accent5"/>
               </a:solidFill>
@@ -7880,8 +7897,8 @@
         </p:nvSpPr>
         <p:spPr>
           <a:xfrm>
-            <a:off x="3405910" y="3470271"/>
-            <a:ext cx="117020" cy="207749"/>
+            <a:off x="3405910" y="3431799"/>
+            <a:ext cx="152286" cy="284693"/>
           </a:xfrm>
           <a:prstGeom prst="rect">
             <a:avLst/>
@@ -7913,7 +7930,7 @@
           </a:lstStyle>
           <a:p>
             <a:r>
-              <a:rPr lang="en-US" sz="1100" b="1" dirty="0" smtClean="0">
+              <a:rPr lang="en-US" sz="1600" b="1" dirty="0" smtClean="0">
                 <a:solidFill>
                   <a:srgbClr val="0070C0"/>
                 </a:solidFill>
@@ -7922,7 +7939,7 @@
               </a:rPr>
               <a:t>5</a:t>
             </a:r>
-            <a:endParaRPr sz="1100" b="1" dirty="0">
+            <a:endParaRPr sz="1600" b="1" dirty="0">
               <a:solidFill>
                 <a:srgbClr val="0070C0"/>
               </a:solidFill>
@@ -7960,7 +7977,7 @@
           <a:bodyPr lIns="19050" tIns="19050" rIns="19050" bIns="19050" anchor="ctr"/>
           <a:lstStyle/>
           <a:p>
-            <a:endParaRPr sz="1100" b="1">
+            <a:endParaRPr sz="1600" b="1">
               <a:solidFill>
                 <a:srgbClr val="0070C0"/>
               </a:solidFill>
@@ -7978,8 +7995,8 @@
         </p:nvSpPr>
         <p:spPr>
           <a:xfrm>
-            <a:off x="4061250" y="3899513"/>
-            <a:ext cx="3000821" cy="292388"/>
+            <a:off x="4061250" y="3841805"/>
+            <a:ext cx="4401846" cy="407804"/>
           </a:xfrm>
           <a:prstGeom prst="rect">
             <a:avLst/>
@@ -8007,7 +8024,7 @@
           </a:lstStyle>
           <a:p>
             <a:r>
-              <a:rPr lang="en-US" altLang="zh-CN" sz="1100" b="1" dirty="0" err="1">
+              <a:rPr lang="en-US" altLang="zh-CN" sz="1600" b="1" dirty="0" err="1">
                 <a:solidFill>
                   <a:schemeClr val="accent5"/>
                 </a:solidFill>
@@ -8017,7 +8034,7 @@
               <a:t>t_supplier_store_relation</a:t>
             </a:r>
             <a:r>
-              <a:rPr lang="en-US" altLang="zh-CN" sz="1100" b="1" dirty="0">
+              <a:rPr lang="en-US" altLang="zh-CN" sz="1600" b="1" dirty="0">
                 <a:solidFill>
                   <a:schemeClr val="accent5"/>
                 </a:solidFill>
@@ -8027,7 +8044,7 @@
               <a:t> </a:t>
             </a:r>
             <a:r>
-              <a:rPr lang="zh-CN" altLang="en-US" sz="1100" b="1" dirty="0">
+              <a:rPr lang="zh-CN" altLang="en-US" sz="1600" b="1" dirty="0">
                 <a:solidFill>
                   <a:schemeClr val="accent5"/>
                 </a:solidFill>
@@ -8036,7 +8053,7 @@
               </a:rPr>
               <a:t>供应商仓库信息表</a:t>
             </a:r>
-            <a:endParaRPr lang="en-US" altLang="zh-CN" sz="1100" b="1" dirty="0">
+            <a:endParaRPr lang="en-US" altLang="zh-CN" sz="1600" b="1" dirty="0">
               <a:solidFill>
                 <a:schemeClr val="accent5"/>
               </a:solidFill>
@@ -8054,8 +8071,8 @@
         </p:nvSpPr>
         <p:spPr>
           <a:xfrm>
-            <a:off x="3405910" y="3970408"/>
-            <a:ext cx="117020" cy="207749"/>
+            <a:off x="3405910" y="3931936"/>
+            <a:ext cx="152286" cy="284693"/>
           </a:xfrm>
           <a:prstGeom prst="rect">
             <a:avLst/>
@@ -8087,7 +8104,7 @@
           </a:lstStyle>
           <a:p>
             <a:r>
-              <a:rPr lang="en-US" sz="1100" b="1" dirty="0" smtClean="0">
+              <a:rPr lang="en-US" sz="1600" b="1" dirty="0" smtClean="0">
                 <a:solidFill>
                   <a:srgbClr val="0070C0"/>
                 </a:solidFill>
@@ -8096,7 +8113,7 @@
               </a:rPr>
               <a:t>6</a:t>
             </a:r>
-            <a:endParaRPr sz="1100" b="1" dirty="0">
+            <a:endParaRPr sz="1600" b="1" dirty="0">
               <a:solidFill>
                 <a:srgbClr val="0070C0"/>
               </a:solidFill>
@@ -8134,7 +8151,7 @@
           <a:bodyPr lIns="19050" tIns="19050" rIns="19050" bIns="19050" anchor="ctr"/>
           <a:lstStyle/>
           <a:p>
-            <a:endParaRPr sz="1100" b="1">
+            <a:endParaRPr sz="1600" b="1">
               <a:solidFill>
                 <a:srgbClr val="0070C0"/>
               </a:solidFill>
@@ -8239,8 +8256,8 @@
         </p:nvSpPr>
         <p:spPr>
           <a:xfrm>
-            <a:off x="4061250" y="4343350"/>
-            <a:ext cx="2154436" cy="292388"/>
+            <a:off x="4061250" y="4285642"/>
+            <a:ext cx="3151504" cy="407804"/>
           </a:xfrm>
           <a:prstGeom prst="rect">
             <a:avLst/>
@@ -8268,7 +8285,7 @@
           </a:lstStyle>
           <a:p>
             <a:r>
-              <a:rPr lang="en-US" altLang="zh-CN" sz="1100" b="1" dirty="0" err="1" smtClean="0">
+              <a:rPr lang="en-US" altLang="zh-CN" sz="1600" b="1" dirty="0" err="1" smtClean="0">
                 <a:solidFill>
                   <a:schemeClr val="accent5"/>
                 </a:solidFill>
@@ -8278,7 +8295,7 @@
               <a:t>t_distributor</a:t>
             </a:r>
             <a:r>
-              <a:rPr lang="en-US" altLang="zh-CN" sz="1100" b="1" dirty="0" smtClean="0">
+              <a:rPr lang="en-US" altLang="zh-CN" sz="1600" b="1" dirty="0" smtClean="0">
                 <a:solidFill>
                   <a:schemeClr val="accent5"/>
                 </a:solidFill>
@@ -8288,7 +8305,7 @@
               <a:t> </a:t>
             </a:r>
             <a:r>
-              <a:rPr lang="zh-CN" altLang="en-US" sz="1100" b="1" dirty="0" smtClean="0">
+              <a:rPr lang="zh-CN" altLang="en-US" sz="1600" b="1" dirty="0" smtClean="0">
                 <a:solidFill>
                   <a:schemeClr val="accent5"/>
                 </a:solidFill>
@@ -8298,7 +8315,7 @@
               <a:t>分销商商品信息</a:t>
             </a:r>
             <a:r>
-              <a:rPr lang="zh-CN" altLang="en-US" sz="1100" b="1" dirty="0">
+              <a:rPr lang="zh-CN" altLang="en-US" sz="1600" b="1" dirty="0">
                 <a:solidFill>
                   <a:schemeClr val="accent5"/>
                 </a:solidFill>
@@ -8307,7 +8324,7 @@
               </a:rPr>
               <a:t>表</a:t>
             </a:r>
-            <a:endParaRPr lang="en-US" altLang="zh-CN" sz="1100" b="1" dirty="0">
+            <a:endParaRPr lang="en-US" altLang="zh-CN" sz="1600" b="1" dirty="0">
               <a:solidFill>
                 <a:schemeClr val="accent5"/>
               </a:solidFill>
@@ -8325,8 +8342,8 @@
         </p:nvSpPr>
         <p:spPr>
           <a:xfrm>
-            <a:off x="3405910" y="4414245"/>
-            <a:ext cx="117020" cy="207749"/>
+            <a:off x="3405910" y="4375773"/>
+            <a:ext cx="152286" cy="284693"/>
           </a:xfrm>
           <a:prstGeom prst="rect">
             <a:avLst/>
@@ -8358,7 +8375,7 @@
           </a:lstStyle>
           <a:p>
             <a:r>
-              <a:rPr lang="en-US" sz="1100" b="1" dirty="0">
+              <a:rPr lang="en-US" sz="1600" b="1" dirty="0">
                 <a:solidFill>
                   <a:srgbClr val="0070C0"/>
                 </a:solidFill>
@@ -8367,7 +8384,7 @@
               </a:rPr>
               <a:t>7</a:t>
             </a:r>
-            <a:endParaRPr sz="1100" b="1" dirty="0">
+            <a:endParaRPr sz="1600" b="1" dirty="0">
               <a:solidFill>
                 <a:srgbClr val="0070C0"/>
               </a:solidFill>
@@ -8405,7 +8422,7 @@
           <a:bodyPr lIns="19050" tIns="19050" rIns="19050" bIns="19050" anchor="ctr"/>
           <a:lstStyle/>
           <a:p>
-            <a:endParaRPr sz="1100" b="1">
+            <a:endParaRPr sz="1600" b="1">
               <a:solidFill>
                 <a:srgbClr val="0070C0"/>
               </a:solidFill>
@@ -8536,14 +8553,14 @@
       </p:sp>
       <p:pic>
         <p:nvPicPr>
-          <p:cNvPr id="10" name="图片 9"/>
+          <p:cNvPr id="2" name="图片 1"/>
           <p:cNvPicPr>
             <a:picLocks noChangeAspect="1"/>
           </p:cNvPicPr>
           <p:nvPr/>
         </p:nvPicPr>
         <p:blipFill>
-          <a:blip r:embed="rId1">
+          <a:blip r:embed="rId2">
             <a:extLst>
               <a:ext uri="{28A0092B-C50C-407E-A947-70E740481C1C}">
                 <a14:useLocalDpi xmlns:a14="http://schemas.microsoft.com/office/drawing/2010/main" val="0"/>
@@ -8556,8 +8573,8 @@
         </p:blipFill>
         <p:spPr>
           <a:xfrm>
-            <a:off x="1322387" y="475566"/>
-            <a:ext cx="9610725" cy="6303962"/>
+            <a:off x="1095375" y="674914"/>
+            <a:ext cx="10001250" cy="6035448"/>
           </a:xfrm>
           <a:prstGeom prst="rect">
             <a:avLst/>
@@ -8626,15 +8643,7 @@
                   <a:schemeClr val="accent5"/>
                 </a:solidFill>
               </a:rPr>
-              <a:t>库存预</a:t>
-            </a:r>
-            <a:r>
-              <a:rPr lang="zh-CN" altLang="en-US" sz="2400" dirty="0">
-                <a:solidFill>
-                  <a:schemeClr val="accent5"/>
-                </a:solidFill>
-              </a:rPr>
-              <a:t>扣流程</a:t>
+              <a:t>库存预扣流程</a:t>
             </a:r>
             <a:endParaRPr lang="en-US" altLang="zh-CN" sz="2400" dirty="0">
               <a:solidFill>
@@ -8693,22 +8702,28 @@
       </p:sp>
       <p:pic>
         <p:nvPicPr>
-          <p:cNvPr id="3" name="图片 2" descr="代驾取消下单流程时序图 (2)"/>
+          <p:cNvPr id="2" name="图片 1"/>
           <p:cNvPicPr>
             <a:picLocks noChangeAspect="1"/>
           </p:cNvPicPr>
           <p:nvPr/>
         </p:nvPicPr>
         <p:blipFill>
-          <a:blip r:embed="rId1"/>
+          <a:blip r:embed="rId2">
+            <a:extLst>
+              <a:ext uri="{28A0092B-C50C-407E-A947-70E740481C1C}">
+                <a14:useLocalDpi xmlns:a14="http://schemas.microsoft.com/office/drawing/2010/main" val="0"/>
+              </a:ext>
+            </a:extLst>
+          </a:blip>
           <a:stretch>
             <a:fillRect/>
           </a:stretch>
         </p:blipFill>
         <p:spPr>
           <a:xfrm>
-            <a:off x="124460" y="467360"/>
-            <a:ext cx="9912985" cy="7839710"/>
+            <a:off x="492815" y="353085"/>
+            <a:ext cx="9649173" cy="6858000"/>
           </a:xfrm>
           <a:prstGeom prst="rect">
             <a:avLst/>
@@ -8720,6 +8735,13 @@
   <p:clrMapOvr>
     <a:masterClrMapping/>
   </p:clrMapOvr>
+  <p:timing>
+    <p:tnLst>
+      <p:par>
+        <p:cTn id="1" dur="indefinite" restart="never" nodeType="tmRoot"/>
+      </p:par>
+    </p:tnLst>
+  </p:timing>
 </p:sld>
 </file>
 
@@ -8770,15 +8792,7 @@
                   <a:schemeClr val="accent5"/>
                 </a:solidFill>
               </a:rPr>
-              <a:t>库存扣除</a:t>
-            </a:r>
-            <a:r>
-              <a:rPr lang="zh-CN" altLang="en-US" sz="2400" dirty="0">
-                <a:solidFill>
-                  <a:schemeClr val="accent5"/>
-                </a:solidFill>
-              </a:rPr>
-              <a:t>流程</a:t>
+              <a:t>库存扣除流程</a:t>
             </a:r>
             <a:endParaRPr lang="en-US" altLang="zh-CN" sz="2400" dirty="0">
               <a:solidFill>
@@ -8844,7 +8858,7 @@
           <p:nvPr/>
         </p:nvPicPr>
         <p:blipFill>
-          <a:blip r:embed="rId1"/>
+          <a:blip r:embed="rId2"/>
           <a:stretch>
             <a:fillRect/>
           </a:stretch>
@@ -8852,7 +8866,7 @@
         <p:spPr>
           <a:xfrm>
             <a:off x="565785" y="400050"/>
-            <a:ext cx="10058400" cy="7204710"/>
+            <a:ext cx="10058400" cy="6208980"/>
           </a:xfrm>
           <a:prstGeom prst="rect">
             <a:avLst/>
@@ -8864,6 +8878,13 @@
   <p:clrMapOvr>
     <a:masterClrMapping/>
   </p:clrMapOvr>
+  <p:timing>
+    <p:tnLst>
+      <p:par>
+        <p:cTn id="1" dur="indefinite" restart="never" nodeType="tmRoot"/>
+      </p:par>
+    </p:tnLst>
+  </p:timing>
 </p:sld>
 </file>
 
@@ -8916,11 +8937,6 @@
               </a:rPr>
               <a:t>库存查询流程</a:t>
             </a:r>
-            <a:endParaRPr lang="zh-CN" altLang="en-US" sz="2400" dirty="0">
-              <a:solidFill>
-                <a:schemeClr val="accent5"/>
-              </a:solidFill>
-            </a:endParaRPr>
           </a:p>
         </p:txBody>
       </p:sp>
@@ -8980,7 +8996,7 @@
           <p:nvPr/>
         </p:nvPicPr>
         <p:blipFill>
-          <a:blip r:embed="rId1"/>
+          <a:blip r:embed="rId2"/>
           <a:stretch>
             <a:fillRect/>
           </a:stretch>
@@ -9000,6 +9016,13 @@
   <p:clrMapOvr>
     <a:masterClrMapping/>
   </p:clrMapOvr>
+  <p:timing>
+    <p:tnLst>
+      <p:par>
+        <p:cTn id="1" dur="indefinite" restart="never" nodeType="tmRoot"/>
+      </p:par>
+    </p:tnLst>
+  </p:timing>
 </p:sld>
 </file>
 
@@ -9082,14 +9105,6 @@
               </a:rPr>
               <a:t>库存</a:t>
             </a:r>
-            <a:endParaRPr lang="zh-CN" altLang="en-US" sz="2400" b="1" dirty="0">
-              <a:solidFill>
-                <a:srgbClr val="0070C0"/>
-              </a:solidFill>
-              <a:latin typeface="微软雅黑" panose="020B0503020204020204" charset="-122"/>
-              <a:ea typeface="微软雅黑" panose="020B0503020204020204" charset="-122"/>
-              <a:cs typeface="微软雅黑" panose="020B0503020204020204" charset="-122"/>
-            </a:endParaRPr>
           </a:p>
         </p:txBody>
       </p:sp>
@@ -9142,22 +9157,28 @@
       </p:sp>
       <p:pic>
         <p:nvPicPr>
-          <p:cNvPr id="2" name="图片 1" descr="美的分销库存同步TC库存流程 (1)"/>
+          <p:cNvPr id="3" name="图片 2"/>
           <p:cNvPicPr>
             <a:picLocks noChangeAspect="1"/>
           </p:cNvPicPr>
           <p:nvPr/>
         </p:nvPicPr>
         <p:blipFill>
-          <a:blip r:embed="rId1"/>
+          <a:blip r:embed="rId2">
+            <a:extLst>
+              <a:ext uri="{28A0092B-C50C-407E-A947-70E740481C1C}">
+                <a14:useLocalDpi xmlns:a14="http://schemas.microsoft.com/office/drawing/2010/main" val="0"/>
+              </a:ext>
+            </a:extLst>
+          </a:blip>
           <a:stretch>
             <a:fillRect/>
           </a:stretch>
         </p:blipFill>
         <p:spPr>
           <a:xfrm>
-            <a:off x="3768725" y="81280"/>
-            <a:ext cx="4013835" cy="6695440"/>
+            <a:off x="1784347" y="508203"/>
+            <a:ext cx="8761489" cy="6515177"/>
           </a:xfrm>
           <a:prstGeom prst="rect">
             <a:avLst/>
@@ -9196,6 +9217,104 @@
           <a:chExt cx="0" cy="0"/>
         </a:xfrm>
       </p:grpSpPr>
+      <p:sp>
+        <p:nvSpPr>
+          <p:cNvPr id="10" name="Shape 217"/>
+          <p:cNvSpPr/>
+          <p:nvPr/>
+        </p:nvSpPr>
+        <p:spPr>
+          <a:xfrm>
+            <a:off x="281899" y="0"/>
+            <a:ext cx="2192908" cy="592470"/>
+          </a:xfrm>
+          <a:prstGeom prst="rect">
+            <a:avLst/>
+          </a:prstGeom>
+          <a:ln w="12700">
+            <a:miter lim="400000"/>
+          </a:ln>
+        </p:spPr>
+        <p:txBody>
+          <a:bodyPr wrap="none" lIns="19050" tIns="19050" rIns="19050" bIns="19050" anchor="ctr">
+            <a:spAutoFit/>
+          </a:bodyPr>
+          <a:lstStyle/>
+          <a:p>
+            <a:pPr>
+              <a:lnSpc>
+                <a:spcPct val="150000"/>
+              </a:lnSpc>
+            </a:pPr>
+            <a:r>
+              <a:rPr lang="zh-CN" altLang="en-US" sz="2400" b="1" dirty="0" smtClean="0">
+                <a:solidFill>
+                  <a:srgbClr val="0070C0"/>
+                </a:solidFill>
+                <a:latin typeface="微软雅黑" panose="020B0503020204020204" charset="-122"/>
+                <a:ea typeface="微软雅黑" panose="020B0503020204020204" charset="-122"/>
+                <a:cs typeface="微软雅黑" panose="020B0503020204020204" charset="-122"/>
+              </a:rPr>
+              <a:t>常见问题及解答</a:t>
+            </a:r>
+            <a:endParaRPr lang="zh-CN" altLang="en-US" sz="2400" b="1" dirty="0">
+              <a:solidFill>
+                <a:srgbClr val="0070C0"/>
+              </a:solidFill>
+              <a:latin typeface="微软雅黑" panose="020B0503020204020204" charset="-122"/>
+              <a:ea typeface="微软雅黑" panose="020B0503020204020204" charset="-122"/>
+              <a:cs typeface="微软雅黑" panose="020B0503020204020204" charset="-122"/>
+            </a:endParaRPr>
+          </a:p>
+        </p:txBody>
+      </p:sp>
+      <p:sp>
+        <p:nvSpPr>
+          <p:cNvPr id="11" name="Shape 218"/>
+          <p:cNvSpPr/>
+          <p:nvPr/>
+        </p:nvSpPr>
+        <p:spPr>
+          <a:xfrm>
+            <a:off x="68380" y="127203"/>
+            <a:ext cx="47625" cy="381000"/>
+          </a:xfrm>
+          <a:prstGeom prst="rect">
+            <a:avLst/>
+          </a:prstGeom>
+          <a:solidFill>
+            <a:srgbClr val="0070C0"/>
+          </a:solidFill>
+          <a:ln w="12700">
+            <a:solidFill>
+              <a:srgbClr val="0070C0"/>
+            </a:solidFill>
+            <a:miter lim="400000"/>
+          </a:ln>
+        </p:spPr>
+        <p:txBody>
+          <a:bodyPr lIns="19050" tIns="19050" rIns="19050" bIns="19050" anchor="ctr"/>
+          <a:lstStyle/>
+          <a:p>
+            <a:pPr defTabSz="862330">
+              <a:defRPr sz="4600">
+                <a:solidFill>
+                  <a:srgbClr val="FFFFFF"/>
+                </a:solidFill>
+                <a:latin typeface="Calibri" panose="020F0502020204030204"/>
+                <a:ea typeface="Calibri" panose="020F0502020204030204"/>
+                <a:cs typeface="Calibri" panose="020F0502020204030204"/>
+                <a:sym typeface="Calibri" panose="020F0502020204030204"/>
+              </a:defRPr>
+            </a:pPr>
+            <a:endParaRPr sz="1725">
+              <a:solidFill>
+                <a:srgbClr val="0070C0"/>
+              </a:solidFill>
+            </a:endParaRPr>
+          </a:p>
+        </p:txBody>
+      </p:sp>
       <p:pic>
         <p:nvPicPr>
           <p:cNvPr id="2" name="图片 1"/>
@@ -9205,15 +9324,15 @@
           <p:nvPr/>
         </p:nvPicPr>
         <p:blipFill>
-          <a:blip r:embed="rId1" cstate="email"/>
+          <a:blip r:embed="rId2"/>
           <a:stretch>
             <a:fillRect/>
           </a:stretch>
         </p:blipFill>
         <p:spPr>
           <a:xfrm>
-            <a:off x="0" y="0"/>
-            <a:ext cx="12192000" cy="6858000"/>
+            <a:off x="1378353" y="961802"/>
+            <a:ext cx="8607619" cy="5572300"/>
           </a:xfrm>
           <a:prstGeom prst="rect">
             <a:avLst/>
@@ -9222,102 +9341,39 @@
       </p:pic>
       <p:sp>
         <p:nvSpPr>
-          <p:cNvPr id="3" name="矩形 2"/>
+          <p:cNvPr id="4" name="矩形 3"/>
           <p:cNvSpPr/>
           <p:nvPr/>
         </p:nvSpPr>
         <p:spPr>
           <a:xfrm>
-            <a:off x="0" y="0"/>
-            <a:ext cx="12192001" cy="6858000"/>
+            <a:off x="1378353" y="592470"/>
+            <a:ext cx="1800493" cy="369332"/>
           </a:xfrm>
           <a:prstGeom prst="rect">
             <a:avLst/>
           </a:prstGeom>
-          <a:solidFill>
-            <a:srgbClr val="296DA9">
-              <a:alpha val="80000"/>
-            </a:srgbClr>
-          </a:solidFill>
-          <a:ln>
-            <a:noFill/>
-          </a:ln>
-        </p:spPr>
-        <p:style>
-          <a:lnRef idx="2">
-            <a:schemeClr val="accent1">
-              <a:shade val="50000"/>
-            </a:schemeClr>
-          </a:lnRef>
-          <a:fillRef idx="1">
-            <a:schemeClr val="accent1"/>
-          </a:fillRef>
-          <a:effectRef idx="0">
-            <a:schemeClr val="accent1"/>
-          </a:effectRef>
-          <a:fontRef idx="minor">
-            <a:schemeClr val="lt1"/>
-          </a:fontRef>
-        </p:style>
-        <p:txBody>
-          <a:bodyPr rtlCol="0" anchor="ctr"/>
-          <a:lstStyle/>
-          <a:p>
-            <a:pPr algn="ctr"/>
-            <a:endParaRPr kumimoji="1" lang="zh-CN" altLang="en-US"/>
-          </a:p>
-        </p:txBody>
-      </p:sp>
-      <p:sp>
-        <p:nvSpPr>
-          <p:cNvPr id="20" name="文本框 19"/>
-          <p:cNvSpPr txBox="1"/>
-          <p:nvPr/>
-        </p:nvSpPr>
-        <p:spPr>
-          <a:xfrm>
-            <a:off x="5020626" y="2702163"/>
-            <a:ext cx="2150745" cy="953135"/>
-          </a:xfrm>
-          <a:prstGeom prst="rect">
-            <a:avLst/>
-          </a:prstGeom>
-          <a:noFill/>
-        </p:spPr>
-        <p:txBody>
-          <a:bodyPr wrap="none" rtlCol="0">
+        </p:spPr>
+        <p:txBody>
+          <a:bodyPr wrap="none">
             <a:spAutoFit/>
           </a:bodyPr>
           <a:lstStyle/>
           <a:p>
-            <a:pPr algn="ctr">
-              <a:spcAft>
-                <a:spcPts val="600"/>
-              </a:spcAft>
-            </a:pPr>
-            <a:r>
-              <a:rPr kumimoji="1" lang="en-US" altLang="zh-CN" sz="5600" b="1">
-                <a:solidFill>
-                  <a:schemeClr val="bg1"/>
-                </a:solidFill>
-                <a:latin typeface="微软雅黑" panose="020B0503020204020204" charset="-122"/>
-                <a:ea typeface="微软雅黑" panose="020B0503020204020204" charset="-122"/>
-                <a:cs typeface="微软雅黑" panose="020B0503020204020204" charset="-122"/>
-              </a:rPr>
-              <a:t>Q&amp;A.</a:t>
-            </a:r>
-            <a:endParaRPr kumimoji="1" lang="zh-CN" altLang="en-US" sz="5600" b="1" dirty="0">
-              <a:solidFill>
-                <a:schemeClr val="bg1"/>
-              </a:solidFill>
-              <a:latin typeface="微软雅黑" panose="020B0503020204020204" charset="-122"/>
-              <a:ea typeface="微软雅黑" panose="020B0503020204020204" charset="-122"/>
-              <a:cs typeface="微软雅黑" panose="020B0503020204020204" charset="-122"/>
-            </a:endParaRPr>
+            <a:r>
+              <a:rPr lang="zh-CN" altLang="en-US" dirty="0" smtClean="0"/>
+              <a:t>库存可视化查询</a:t>
+            </a:r>
+            <a:endParaRPr lang="zh-CN" altLang="en-US" dirty="0"/>
           </a:p>
         </p:txBody>
       </p:sp>
     </p:spTree>
+    <p:extLst>
+      <p:ext uri="{BB962C8B-B14F-4D97-AF65-F5344CB8AC3E}">
+        <p14:creationId xmlns:p14="http://schemas.microsoft.com/office/powerpoint/2010/main" val="1781713723"/>
+      </p:ext>
+    </p:extLst>
   </p:cSld>
   <p:clrMapOvr>
     <a:masterClrMapping/>
@@ -9358,7 +9414,160 @@
           <p:nvPr/>
         </p:nvPicPr>
         <p:blipFill>
-          <a:blip r:embed="rId1" cstate="email"/>
+          <a:blip r:embed="rId2" cstate="email"/>
+          <a:stretch>
+            <a:fillRect/>
+          </a:stretch>
+        </p:blipFill>
+        <p:spPr>
+          <a:xfrm>
+            <a:off x="0" y="0"/>
+            <a:ext cx="12192000" cy="6858000"/>
+          </a:xfrm>
+          <a:prstGeom prst="rect">
+            <a:avLst/>
+          </a:prstGeom>
+        </p:spPr>
+      </p:pic>
+      <p:sp>
+        <p:nvSpPr>
+          <p:cNvPr id="3" name="矩形 2"/>
+          <p:cNvSpPr/>
+          <p:nvPr/>
+        </p:nvSpPr>
+        <p:spPr>
+          <a:xfrm>
+            <a:off x="0" y="0"/>
+            <a:ext cx="12192001" cy="6858000"/>
+          </a:xfrm>
+          <a:prstGeom prst="rect">
+            <a:avLst/>
+          </a:prstGeom>
+          <a:solidFill>
+            <a:srgbClr val="296DA9">
+              <a:alpha val="80000"/>
+            </a:srgbClr>
+          </a:solidFill>
+          <a:ln>
+            <a:noFill/>
+          </a:ln>
+        </p:spPr>
+        <p:style>
+          <a:lnRef idx="2">
+            <a:schemeClr val="accent1">
+              <a:shade val="50000"/>
+            </a:schemeClr>
+          </a:lnRef>
+          <a:fillRef idx="1">
+            <a:schemeClr val="accent1"/>
+          </a:fillRef>
+          <a:effectRef idx="0">
+            <a:schemeClr val="accent1"/>
+          </a:effectRef>
+          <a:fontRef idx="minor">
+            <a:schemeClr val="lt1"/>
+          </a:fontRef>
+        </p:style>
+        <p:txBody>
+          <a:bodyPr rtlCol="0" anchor="ctr"/>
+          <a:lstStyle/>
+          <a:p>
+            <a:pPr algn="ctr"/>
+            <a:endParaRPr kumimoji="1" lang="zh-CN" altLang="en-US"/>
+          </a:p>
+        </p:txBody>
+      </p:sp>
+      <p:sp>
+        <p:nvSpPr>
+          <p:cNvPr id="20" name="文本框 19"/>
+          <p:cNvSpPr txBox="1"/>
+          <p:nvPr/>
+        </p:nvSpPr>
+        <p:spPr>
+          <a:xfrm>
+            <a:off x="5020626" y="2702163"/>
+            <a:ext cx="2150745" cy="953135"/>
+          </a:xfrm>
+          <a:prstGeom prst="rect">
+            <a:avLst/>
+          </a:prstGeom>
+          <a:noFill/>
+        </p:spPr>
+        <p:txBody>
+          <a:bodyPr wrap="none" rtlCol="0">
+            <a:spAutoFit/>
+          </a:bodyPr>
+          <a:lstStyle/>
+          <a:p>
+            <a:pPr algn="ctr">
+              <a:spcAft>
+                <a:spcPts val="600"/>
+              </a:spcAft>
+            </a:pPr>
+            <a:r>
+              <a:rPr kumimoji="1" lang="en-US" altLang="zh-CN" sz="5600" b="1">
+                <a:solidFill>
+                  <a:schemeClr val="bg1"/>
+                </a:solidFill>
+                <a:latin typeface="微软雅黑" panose="020B0503020204020204" charset="-122"/>
+                <a:ea typeface="微软雅黑" panose="020B0503020204020204" charset="-122"/>
+                <a:cs typeface="微软雅黑" panose="020B0503020204020204" charset="-122"/>
+              </a:rPr>
+              <a:t>Q&amp;A.</a:t>
+            </a:r>
+            <a:endParaRPr kumimoji="1" lang="zh-CN" altLang="en-US" sz="5600" b="1" dirty="0">
+              <a:solidFill>
+                <a:schemeClr val="bg1"/>
+              </a:solidFill>
+              <a:latin typeface="微软雅黑" panose="020B0503020204020204" charset="-122"/>
+              <a:ea typeface="微软雅黑" panose="020B0503020204020204" charset="-122"/>
+              <a:cs typeface="微软雅黑" panose="020B0503020204020204" charset="-122"/>
+            </a:endParaRPr>
+          </a:p>
+        </p:txBody>
+      </p:sp>
+    </p:spTree>
+  </p:cSld>
+  <p:clrMapOvr>
+    <a:masterClrMapping/>
+  </p:clrMapOvr>
+  <p:timing>
+    <p:tnLst>
+      <p:par>
+        <p:cTn id="1" dur="indefinite" restart="never" nodeType="tmRoot"/>
+      </p:par>
+    </p:tnLst>
+  </p:timing>
+</p:sld>
+</file>
+
+<file path=ppt/slides/slide18.xml><?xml version="1.0" encoding="utf-8"?>
+<p:sld xmlns:a="http://schemas.openxmlformats.org/drawingml/2006/main" xmlns:r="http://schemas.openxmlformats.org/officeDocument/2006/relationships" xmlns:p="http://schemas.openxmlformats.org/presentationml/2006/main">
+  <p:cSld>
+    <p:spTree>
+      <p:nvGrpSpPr>
+        <p:cNvPr id="1" name=""/>
+        <p:cNvGrpSpPr/>
+        <p:nvPr/>
+      </p:nvGrpSpPr>
+      <p:grpSpPr>
+        <a:xfrm>
+          <a:off x="0" y="0"/>
+          <a:ext cx="0" cy="0"/>
+          <a:chOff x="0" y="0"/>
+          <a:chExt cx="0" cy="0"/>
+        </a:xfrm>
+      </p:grpSpPr>
+      <p:pic>
+        <p:nvPicPr>
+          <p:cNvPr id="2" name="图片 1"/>
+          <p:cNvPicPr>
+            <a:picLocks noChangeAspect="1"/>
+          </p:cNvPicPr>
+          <p:nvPr/>
+        </p:nvPicPr>
+        <p:blipFill>
+          <a:blip r:embed="rId2" cstate="email"/>
           <a:stretch>
             <a:fillRect/>
           </a:stretch>
@@ -9602,11 +9811,6 @@
               </a:rPr>
               <a:t>01</a:t>
             </a:r>
-            <a:endParaRPr sz="2250" b="1" dirty="0">
-              <a:solidFill>
-                <a:srgbClr val="0070C0"/>
-              </a:solidFill>
-            </a:endParaRPr>
           </a:p>
         </p:txBody>
       </p:sp>
@@ -9686,14 +9890,6 @@
               </a:rPr>
               <a:t>目录</a:t>
             </a:r>
-            <a:endParaRPr sz="2400" b="1" dirty="0">
-              <a:solidFill>
-                <a:srgbClr val="0070C0"/>
-              </a:solidFill>
-              <a:latin typeface="微软雅黑" panose="020B0503020204020204" charset="-122"/>
-              <a:ea typeface="微软雅黑" panose="020B0503020204020204" charset="-122"/>
-              <a:cs typeface="微软雅黑" panose="020B0503020204020204" charset="-122"/>
-            </a:endParaRPr>
           </a:p>
         </p:txBody>
       </p:sp>
@@ -10544,8 +10740,8 @@
         </p:nvSpPr>
         <p:spPr>
           <a:xfrm>
-            <a:off x="4617486" y="4458493"/>
-            <a:ext cx="650819" cy="445763"/>
+            <a:off x="4617486" y="4431306"/>
+            <a:ext cx="1833835" cy="500137"/>
           </a:xfrm>
           <a:prstGeom prst="rect">
             <a:avLst/>
@@ -10573,12 +10769,12 @@
           </a:lstStyle>
           <a:p>
             <a:r>
-              <a:rPr lang="en-US" altLang="zh-CN" sz="2000" dirty="0" smtClean="0">
+              <a:rPr lang="zh-CN" altLang="en-US" sz="2000" dirty="0" smtClean="0">
                 <a:solidFill>
                   <a:schemeClr val="accent5"/>
                 </a:solidFill>
               </a:rPr>
-              <a:t>Q&amp;A</a:t>
+              <a:t>常见问题及解答</a:t>
             </a:r>
             <a:endParaRPr lang="en-US" altLang="zh-CN" sz="2000" dirty="0">
               <a:solidFill>
@@ -10720,202 +10916,277 @@
           <a:chExt cx="0" cy="0"/>
         </a:xfrm>
       </p:grpSpPr>
-      <p:graphicFrame>
-        <p:nvGraphicFramePr>
-          <p:cNvPr id="4" name="内容占位符 3"/>
-          <p:cNvGraphicFramePr>
-            <a:graphicFrameLocks noGrp="1"/>
-          </p:cNvGraphicFramePr>
+      <p:sp>
+        <p:nvSpPr>
+          <p:cNvPr id="3" name="内容占位符 2"/>
+          <p:cNvSpPr>
+            <a:spLocks noGrp="1"/>
+          </p:cNvSpPr>
           <p:nvPr>
             <p:ph idx="1"/>
           </p:nvPr>
-        </p:nvGraphicFramePr>
-        <p:xfrm>
-          <a:off x="5434129" y="883792"/>
-          <a:ext cx="6757871" cy="5452999"/>
-        </p:xfrm>
-        <a:graphic>
-          <a:graphicData uri="http://schemas.openxmlformats.org/drawingml/2006/diagram">
-            <dgm:relIds xmlns:dgm="http://schemas.openxmlformats.org/drawingml/2006/diagram" xmlns:r="http://schemas.openxmlformats.org/officeDocument/2006/relationships" r:dm="rId1" r:lo="rId2" r:qs="rId3" r:cs="rId4"/>
-          </a:graphicData>
-        </a:graphic>
-      </p:graphicFrame>
-      <p:sp>
-        <p:nvSpPr>
-          <p:cNvPr id="6" name="文本框 5"/>
-          <p:cNvSpPr txBox="1"/>
-          <p:nvPr/>
-        </p:nvSpPr>
-        <p:spPr>
-          <a:xfrm>
-            <a:off x="1423407" y="2057791"/>
-            <a:ext cx="2745983" cy="369332"/>
-          </a:xfrm>
-          <a:prstGeom prst="rect">
-            <a:avLst/>
-          </a:prstGeom>
-          <a:noFill/>
-        </p:spPr>
-        <p:txBody>
-          <a:bodyPr wrap="square" rtlCol="0">
-            <a:spAutoFit/>
+        </p:nvSpPr>
+        <p:spPr>
+          <a:xfrm>
+            <a:off x="606552" y="1548384"/>
+            <a:ext cx="11207496" cy="3324034"/>
+          </a:xfrm>
+        </p:spPr>
+        <p:txBody>
+          <a:bodyPr>
+            <a:normAutofit/>
           </a:bodyPr>
           <a:lstStyle/>
           <a:p>
             <a:r>
-              <a:rPr lang="zh-CN" altLang="en-US" dirty="0" smtClean="0">
-                <a:latin typeface="微软雅黑" panose="020B0503020204020204" charset="-122"/>
-                <a:ea typeface="微软雅黑" panose="020B0503020204020204" charset="-122"/>
+              <a:rPr lang="en-US" altLang="zh-CN" sz="2400" dirty="0">
+                <a:latin typeface="+mn-ea"/>
               </a:rPr>
-              <a:t>商品：销售出去的东</a:t>
-            </a:r>
-            <a:r>
-              <a:rPr lang="zh-CN" altLang="en-US" dirty="0">
-                <a:latin typeface="微软雅黑" panose="020B0503020204020204" charset="-122"/>
-                <a:ea typeface="微软雅黑" panose="020B0503020204020204" charset="-122"/>
-              </a:rPr>
-              <a:t>西</a:t>
-            </a:r>
-            <a:endParaRPr lang="zh-CN" altLang="en-US" dirty="0">
-              <a:latin typeface="微软雅黑" panose="020B0503020204020204" charset="-122"/>
-              <a:ea typeface="微软雅黑" panose="020B0503020204020204" charset="-122"/>
-            </a:endParaRPr>
-          </a:p>
-        </p:txBody>
-      </p:sp>
-      <p:sp>
-        <p:nvSpPr>
-          <p:cNvPr id="7" name="文本框 6"/>
-          <p:cNvSpPr txBox="1"/>
-          <p:nvPr/>
-        </p:nvSpPr>
-        <p:spPr>
-          <a:xfrm>
-            <a:off x="1399984" y="2734055"/>
-            <a:ext cx="1846078" cy="369331"/>
-          </a:xfrm>
-          <a:prstGeom prst="rect">
-            <a:avLst/>
-          </a:prstGeom>
-          <a:noFill/>
-        </p:spPr>
-        <p:txBody>
-          <a:bodyPr wrap="square" rtlCol="0">
-            <a:spAutoFit/>
-          </a:bodyPr>
-          <a:lstStyle/>
-          <a:p>
-            <a:r>
-              <a:rPr lang="zh-CN" altLang="en-US" dirty="0" smtClean="0">
-                <a:latin typeface="微软雅黑" panose="020B0503020204020204" charset="-122"/>
-                <a:ea typeface="微软雅黑" panose="020B0503020204020204" charset="-122"/>
-              </a:rPr>
-              <a:t>用户：消费者</a:t>
-            </a:r>
-            <a:endParaRPr lang="zh-CN" altLang="en-US" dirty="0">
-              <a:latin typeface="微软雅黑" panose="020B0503020204020204" charset="-122"/>
-              <a:ea typeface="微软雅黑" panose="020B0503020204020204" charset="-122"/>
-            </a:endParaRPr>
-          </a:p>
-        </p:txBody>
-      </p:sp>
-      <p:sp>
-        <p:nvSpPr>
-          <p:cNvPr id="8" name="文本框 7"/>
-          <p:cNvSpPr txBox="1"/>
-          <p:nvPr/>
-        </p:nvSpPr>
-        <p:spPr>
-          <a:xfrm>
-            <a:off x="1399983" y="3366727"/>
-            <a:ext cx="3000242" cy="369332"/>
-          </a:xfrm>
-          <a:prstGeom prst="rect">
-            <a:avLst/>
-          </a:prstGeom>
-          <a:noFill/>
-        </p:spPr>
-        <p:txBody>
-          <a:bodyPr wrap="square" rtlCol="0">
-            <a:spAutoFit/>
-          </a:bodyPr>
-          <a:lstStyle/>
-          <a:p>
-            <a:r>
-              <a:rPr lang="zh-CN" altLang="en-US" dirty="0">
-                <a:latin typeface="微软雅黑" panose="020B0503020204020204" charset="-122"/>
-                <a:ea typeface="微软雅黑" panose="020B0503020204020204" charset="-122"/>
-              </a:rPr>
-              <a:t>订单</a:t>
-            </a:r>
-            <a:r>
-              <a:rPr lang="zh-CN" altLang="en-US" dirty="0" smtClean="0">
-                <a:latin typeface="微软雅黑" panose="020B0503020204020204" charset="-122"/>
-                <a:ea typeface="微软雅黑" panose="020B0503020204020204" charset="-122"/>
+              <a:t>SPU </a:t>
+            </a:r>
+            <a:r>
+              <a:rPr lang="zh-CN" altLang="en-US" sz="2400" dirty="0" smtClean="0">
+                <a:latin typeface="+mn-ea"/>
               </a:rPr>
               <a:t>：</a:t>
             </a:r>
             <a:r>
-              <a:rPr kumimoji="1" lang="zh-CN" altLang="en-US" dirty="0">
-                <a:latin typeface="微软雅黑" panose="020B0503020204020204" charset="-122"/>
-                <a:ea typeface="微软雅黑" panose="020B0503020204020204" charset="-122"/>
-                <a:cs typeface="微软雅黑" panose="020B0503020204020204" charset="-122"/>
+              <a:rPr lang="en-US" altLang="zh-CN" sz="2400" dirty="0" smtClean="0">
+                <a:latin typeface="+mn-ea"/>
               </a:rPr>
-              <a:t>用户买了什么东西</a:t>
-            </a:r>
+              <a:t>Standard </a:t>
+            </a:r>
+            <a:r>
+              <a:rPr lang="en-US" altLang="zh-CN" sz="2400" dirty="0">
+                <a:latin typeface="+mn-ea"/>
+              </a:rPr>
+              <a:t>Product Unit </a:t>
+            </a:r>
+            <a:r>
+              <a:rPr lang="zh-CN" altLang="en-US" sz="2400" dirty="0">
+                <a:latin typeface="+mn-ea"/>
+              </a:rPr>
+              <a:t>（标准产品</a:t>
+            </a:r>
+            <a:r>
+              <a:rPr lang="zh-CN" altLang="en-US" sz="2400" dirty="0" smtClean="0">
+                <a:latin typeface="+mn-ea"/>
+              </a:rPr>
+              <a:t>单位），属性</a:t>
+            </a:r>
+            <a:r>
+              <a:rPr lang="zh-CN" altLang="en-US" sz="2400" dirty="0">
+                <a:latin typeface="+mn-ea"/>
+              </a:rPr>
+              <a:t>值、特性相同的商品就可以称为一个</a:t>
+            </a:r>
+            <a:r>
+              <a:rPr lang="en-US" altLang="zh-CN" sz="2400" dirty="0">
+                <a:latin typeface="+mn-ea"/>
+              </a:rPr>
+              <a:t>SPU</a:t>
+            </a:r>
+          </a:p>
+          <a:p>
+            <a:r>
+              <a:rPr lang="en-US" altLang="zh-CN" sz="2400" dirty="0" smtClean="0">
+                <a:latin typeface="+mn-ea"/>
+              </a:rPr>
+              <a:t>SKU</a:t>
+            </a:r>
+            <a:r>
+              <a:rPr lang="zh-CN" altLang="en-US" sz="2400" dirty="0" smtClean="0">
+                <a:latin typeface="+mn-ea"/>
+              </a:rPr>
+              <a:t>：</a:t>
+            </a:r>
+            <a:r>
+              <a:rPr lang="en-US" altLang="zh-CN" sz="2400" dirty="0" smtClean="0">
+                <a:latin typeface="+mn-ea"/>
+              </a:rPr>
+              <a:t>Stock Keeping Unit</a:t>
+            </a:r>
+            <a:r>
+              <a:rPr lang="zh-CN" altLang="en-US" sz="2400" dirty="0" smtClean="0">
+                <a:latin typeface="+mn-ea"/>
+              </a:rPr>
+              <a:t>（库存量单位），电</a:t>
+            </a:r>
+            <a:r>
+              <a:rPr lang="zh-CN" altLang="en-US" sz="2400" dirty="0">
+                <a:latin typeface="+mn-ea"/>
+              </a:rPr>
+              <a:t>商引申为一款商品，也可以理解为由</a:t>
+            </a:r>
+            <a:r>
+              <a:rPr lang="en-US" altLang="zh-CN" sz="2400" dirty="0" err="1">
+                <a:latin typeface="+mn-ea"/>
+              </a:rPr>
+              <a:t>Seller+SPU</a:t>
+            </a:r>
+            <a:r>
+              <a:rPr lang="zh-CN" altLang="en-US" sz="2400" dirty="0">
+                <a:latin typeface="+mn-ea"/>
+              </a:rPr>
+              <a:t>组成</a:t>
+            </a:r>
+            <a:endParaRPr lang="en-US" altLang="zh-CN" sz="2400" dirty="0">
+              <a:latin typeface="+mn-ea"/>
+            </a:endParaRPr>
+          </a:p>
+          <a:p>
+            <a:r>
+              <a:rPr lang="en-US" altLang="zh-CN" sz="2400" dirty="0" err="1" smtClean="0">
+                <a:latin typeface="+mn-ea"/>
+              </a:rPr>
+              <a:t>SupplierSku</a:t>
+            </a:r>
+            <a:r>
+              <a:rPr lang="en-US" altLang="zh-CN" sz="2400" dirty="0" smtClean="0">
+                <a:latin typeface="+mn-ea"/>
+              </a:rPr>
+              <a:t>:</a:t>
+            </a:r>
+            <a:r>
+              <a:rPr lang="zh-CN" altLang="en-US" sz="2400" dirty="0" smtClean="0">
+                <a:latin typeface="+mn-ea"/>
+              </a:rPr>
+              <a:t>供货</a:t>
+            </a:r>
+            <a:r>
+              <a:rPr lang="zh-CN" altLang="en-US" sz="2400" dirty="0">
+                <a:latin typeface="+mn-ea"/>
+              </a:rPr>
+              <a:t>商上架了</a:t>
+            </a:r>
+            <a:r>
+              <a:rPr lang="en-US" altLang="zh-CN" sz="2400" dirty="0">
+                <a:latin typeface="+mn-ea"/>
+              </a:rPr>
+              <a:t>SPU</a:t>
+            </a:r>
+            <a:r>
+              <a:rPr lang="zh-CN" altLang="en-US" sz="2400" dirty="0">
+                <a:latin typeface="+mn-ea"/>
+              </a:rPr>
+              <a:t>就会生成一个</a:t>
+            </a:r>
+            <a:r>
+              <a:rPr lang="en-US" altLang="zh-CN" sz="2400" dirty="0" err="1" smtClean="0">
+                <a:latin typeface="+mn-ea"/>
+              </a:rPr>
+              <a:t>SupplierSku</a:t>
+            </a:r>
+            <a:endParaRPr lang="en-US" altLang="zh-CN" sz="2400" dirty="0">
+              <a:latin typeface="+mn-ea"/>
+            </a:endParaRPr>
+          </a:p>
+          <a:p>
+            <a:r>
+              <a:rPr lang="en-US" altLang="zh-CN" sz="2400" dirty="0" err="1" smtClean="0">
+                <a:latin typeface="+mn-ea"/>
+              </a:rPr>
+              <a:t>DistributorSku</a:t>
+            </a:r>
+            <a:r>
+              <a:rPr lang="en-US" altLang="zh-CN" sz="2400" dirty="0" smtClean="0">
+                <a:latin typeface="+mn-ea"/>
+              </a:rPr>
+              <a:t>:</a:t>
+            </a:r>
+            <a:r>
+              <a:rPr lang="zh-CN" altLang="en-US" sz="2400" dirty="0" smtClean="0">
+                <a:latin typeface="+mn-ea"/>
+              </a:rPr>
+              <a:t>经销商</a:t>
+            </a:r>
+            <a:r>
+              <a:rPr lang="zh-CN" altLang="en-US" sz="2400" dirty="0">
+                <a:latin typeface="+mn-ea"/>
+              </a:rPr>
+              <a:t>上架了供货商的</a:t>
+            </a:r>
+            <a:r>
+              <a:rPr lang="en-US" altLang="zh-CN" sz="2400" dirty="0">
+                <a:latin typeface="+mn-ea"/>
+              </a:rPr>
+              <a:t>SKU</a:t>
+            </a:r>
+            <a:r>
+              <a:rPr lang="zh-CN" altLang="en-US" sz="2400" dirty="0">
+                <a:latin typeface="+mn-ea"/>
+              </a:rPr>
+              <a:t>就会生成一个</a:t>
+            </a:r>
+            <a:r>
+              <a:rPr lang="en-US" altLang="zh-CN" sz="2400" dirty="0" err="1" smtClean="0">
+                <a:latin typeface="+mn-ea"/>
+              </a:rPr>
+              <a:t>DistributorSKU</a:t>
+            </a:r>
+            <a:endParaRPr lang="en-US" altLang="zh-CN" sz="2400" dirty="0" smtClean="0">
+              <a:latin typeface="+mn-ea"/>
+            </a:endParaRPr>
+          </a:p>
+          <a:p>
+            <a:r>
+              <a:rPr lang="en-US" altLang="zh-CN" sz="2400" dirty="0" err="1" smtClean="0">
+                <a:latin typeface="+mn-ea"/>
+                <a:sym typeface="+mn-ea"/>
+              </a:rPr>
+              <a:t>ECM(TC)</a:t>
+            </a:r>
+            <a:r>
+              <a:rPr lang="en-US" altLang="zh-CN" sz="2400" dirty="0" err="1" smtClean="0">
+                <a:latin typeface="+mn-ea"/>
+              </a:rPr>
+              <a:t>库</a:t>
+            </a:r>
+            <a:r>
+              <a:rPr lang="zh-CN" altLang="en-US" sz="2400" dirty="0" smtClean="0">
+                <a:latin typeface="+mn-ea"/>
+              </a:rPr>
+              <a:t>存</a:t>
+            </a:r>
+            <a:r>
+              <a:rPr lang="en-US" altLang="zh-CN" sz="2400" dirty="0">
+                <a:latin typeface="+mn-ea"/>
+              </a:rPr>
+              <a:t>:</a:t>
+            </a:r>
+            <a:r>
+              <a:rPr lang="zh-CN" altLang="en-US" sz="2400" dirty="0" smtClean="0">
+                <a:latin typeface="+mn-ea"/>
+              </a:rPr>
+              <a:t>集团维护了一套自己的库存系统，分销库存管理需要与之对接</a:t>
+            </a:r>
+            <a:endParaRPr lang="en-US" altLang="zh-CN" sz="2400" dirty="0" smtClean="0">
+              <a:latin typeface="+mn-ea"/>
+            </a:endParaRPr>
+          </a:p>
+          <a:p>
+            <a:endParaRPr lang="en-US" altLang="zh-CN" sz="2400" dirty="0" smtClean="0">
+              <a:latin typeface="+mn-ea"/>
+            </a:endParaRPr>
+          </a:p>
+          <a:p>
+            <a:pPr marL="0" indent="0">
+              <a:buNone/>
+            </a:pPr>
+            <a:endParaRPr lang="en-US" altLang="zh-CN" sz="2400" dirty="0" smtClean="0">
+              <a:latin typeface="+mn-ea"/>
+            </a:endParaRPr>
+          </a:p>
+          <a:p>
             <a:endParaRPr lang="zh-CN" altLang="en-US" dirty="0">
-              <a:latin typeface="微软雅黑" panose="020B0503020204020204" charset="-122"/>
-              <a:ea typeface="微软雅黑" panose="020B0503020204020204" charset="-122"/>
+              <a:latin typeface="+mn-ea"/>
             </a:endParaRPr>
           </a:p>
         </p:txBody>
       </p:sp>
       <p:sp>
         <p:nvSpPr>
-          <p:cNvPr id="9" name="文本框 8"/>
-          <p:cNvSpPr txBox="1"/>
-          <p:nvPr/>
-        </p:nvSpPr>
-        <p:spPr>
-          <a:xfrm>
-            <a:off x="1446832" y="3999400"/>
-            <a:ext cx="2805128" cy="369332"/>
-          </a:xfrm>
-          <a:prstGeom prst="rect">
-            <a:avLst/>
-          </a:prstGeom>
-          <a:noFill/>
-        </p:spPr>
-        <p:txBody>
-          <a:bodyPr wrap="square" rtlCol="0">
-            <a:spAutoFit/>
-          </a:bodyPr>
-          <a:lstStyle/>
-          <a:p>
-            <a:r>
-              <a:rPr lang="zh-CN" altLang="en-US" dirty="0">
-                <a:latin typeface="微软雅黑" panose="020B0503020204020204" charset="-122"/>
-                <a:ea typeface="微软雅黑" panose="020B0503020204020204" charset="-122"/>
-              </a:rPr>
-              <a:t>库存</a:t>
-            </a:r>
-            <a:r>
-              <a:rPr lang="zh-CN" altLang="en-US" dirty="0" smtClean="0">
-                <a:latin typeface="微软雅黑" panose="020B0503020204020204" charset="-122"/>
-                <a:ea typeface="微软雅黑" panose="020B0503020204020204" charset="-122"/>
-              </a:rPr>
-              <a:t>：集团卖的东西集合</a:t>
-            </a:r>
-            <a:endParaRPr lang="zh-CN" altLang="en-US" dirty="0">
-              <a:latin typeface="微软雅黑" panose="020B0503020204020204" charset="-122"/>
-              <a:ea typeface="微软雅黑" panose="020B0503020204020204" charset="-122"/>
-            </a:endParaRPr>
-          </a:p>
-        </p:txBody>
-      </p:sp>
-      <p:sp>
-        <p:nvSpPr>
-          <p:cNvPr id="10" name="Shape 217"/>
+          <p:cNvPr id="4" name="Shape 217"/>
           <p:cNvSpPr/>
           <p:nvPr/>
         </p:nvSpPr>
@@ -10966,13 +11237,13 @@
       </p:sp>
       <p:sp>
         <p:nvSpPr>
-          <p:cNvPr id="11" name="Shape 218"/>
+          <p:cNvPr id="5" name="Shape 218"/>
           <p:cNvSpPr/>
           <p:nvPr/>
         </p:nvSpPr>
         <p:spPr>
           <a:xfrm>
-            <a:off x="68380" y="127203"/>
+            <a:off x="77056" y="94566"/>
             <a:ext cx="47625" cy="381000"/>
           </a:xfrm>
           <a:prstGeom prst="rect">
@@ -11055,268 +11326,73 @@
         </p:nvSpPr>
         <p:spPr>
           <a:xfrm>
-            <a:off x="606552" y="1548384"/>
-            <a:ext cx="11207496" cy="3324034"/>
-          </a:xfrm>
-        </p:spPr>
-        <p:txBody>
-          <a:bodyPr>
-            <a:normAutofit/>
-          </a:bodyPr>
+            <a:off x="838200" y="1835785"/>
+            <a:ext cx="10515600" cy="4351338"/>
+          </a:xfrm>
+        </p:spPr>
+        <p:txBody>
+          <a:bodyPr/>
           <a:lstStyle/>
           <a:p>
             <a:r>
-              <a:rPr lang="en-US" altLang="zh-CN" sz="2400" dirty="0">
-                <a:latin typeface="+mn-ea"/>
-              </a:rPr>
-              <a:t>SPU </a:t>
-            </a:r>
-            <a:r>
-              <a:rPr lang="zh-CN" altLang="en-US" sz="2400" dirty="0" smtClean="0">
-                <a:latin typeface="+mn-ea"/>
-              </a:rPr>
-              <a:t>：</a:t>
-            </a:r>
-            <a:r>
-              <a:rPr lang="en-US" altLang="zh-CN" sz="2400" dirty="0" smtClean="0">
-                <a:latin typeface="+mn-ea"/>
-              </a:rPr>
-              <a:t>Standard </a:t>
-            </a:r>
-            <a:r>
-              <a:rPr lang="en-US" altLang="zh-CN" sz="2400" dirty="0">
-                <a:latin typeface="+mn-ea"/>
-              </a:rPr>
-              <a:t>Product Unit </a:t>
-            </a:r>
-            <a:r>
-              <a:rPr lang="zh-CN" altLang="en-US" sz="2400" dirty="0">
-                <a:latin typeface="+mn-ea"/>
-              </a:rPr>
-              <a:t>（标准产品</a:t>
-            </a:r>
-            <a:r>
-              <a:rPr lang="zh-CN" altLang="en-US" sz="2400" dirty="0" smtClean="0">
-                <a:latin typeface="+mn-ea"/>
-              </a:rPr>
-              <a:t>单位），属性</a:t>
-            </a:r>
-            <a:r>
-              <a:rPr lang="zh-CN" altLang="en-US" sz="2400" dirty="0">
-                <a:latin typeface="+mn-ea"/>
-              </a:rPr>
-              <a:t>值、特性相同的商品就可以称为一个</a:t>
-            </a:r>
-            <a:r>
-              <a:rPr lang="en-US" altLang="zh-CN" sz="2400" dirty="0">
-                <a:latin typeface="+mn-ea"/>
-              </a:rPr>
-              <a:t>SPU</a:t>
-            </a:r>
-            <a:endParaRPr lang="en-US" altLang="zh-CN" sz="2400" dirty="0">
-              <a:latin typeface="+mn-ea"/>
-            </a:endParaRPr>
-          </a:p>
-          <a:p>
-            <a:r>
-              <a:rPr lang="en-US" altLang="zh-CN" sz="2400" dirty="0" smtClean="0">
-                <a:latin typeface="+mn-ea"/>
-              </a:rPr>
-              <a:t>SKU</a:t>
-            </a:r>
-            <a:r>
-              <a:rPr lang="zh-CN" altLang="en-US" sz="2400" dirty="0" smtClean="0">
-                <a:latin typeface="+mn-ea"/>
-              </a:rPr>
-              <a:t>：</a:t>
-            </a:r>
-            <a:r>
-              <a:rPr lang="en-US" altLang="zh-CN" sz="2400" dirty="0" smtClean="0">
-                <a:latin typeface="+mn-ea"/>
-              </a:rPr>
-              <a:t>Stock Keeping Unit</a:t>
-            </a:r>
-            <a:r>
-              <a:rPr lang="zh-CN" altLang="en-US" sz="2400" dirty="0" smtClean="0">
-                <a:latin typeface="+mn-ea"/>
-              </a:rPr>
-              <a:t>（库存量单位），电</a:t>
-            </a:r>
-            <a:r>
-              <a:rPr lang="zh-CN" altLang="en-US" sz="2400" dirty="0">
-                <a:latin typeface="+mn-ea"/>
-              </a:rPr>
-              <a:t>商引申为一款商品，也可以理解为由</a:t>
-            </a:r>
-            <a:r>
-              <a:rPr lang="en-US" altLang="zh-CN" sz="2400" dirty="0" err="1">
-                <a:latin typeface="+mn-ea"/>
-              </a:rPr>
-              <a:t>Seller+SPU</a:t>
-            </a:r>
-            <a:r>
-              <a:rPr lang="zh-CN" altLang="en-US" sz="2400" dirty="0">
-                <a:latin typeface="+mn-ea"/>
-              </a:rPr>
-              <a:t>组成</a:t>
-            </a:r>
-            <a:endParaRPr lang="en-US" altLang="zh-CN" sz="2400" dirty="0">
-              <a:latin typeface="+mn-ea"/>
-            </a:endParaRPr>
-          </a:p>
-          <a:p>
-            <a:r>
-              <a:rPr lang="en-US" altLang="zh-CN" sz="2400" dirty="0" err="1" smtClean="0">
-                <a:latin typeface="+mn-ea"/>
-              </a:rPr>
-              <a:t>SupplierSku</a:t>
-            </a:r>
-            <a:r>
-              <a:rPr lang="en-US" altLang="zh-CN" sz="2400" dirty="0" smtClean="0">
-                <a:latin typeface="+mn-ea"/>
-              </a:rPr>
-              <a:t>:</a:t>
-            </a:r>
-            <a:r>
-              <a:rPr lang="zh-CN" altLang="en-US" sz="2400" dirty="0" smtClean="0">
-                <a:latin typeface="+mn-ea"/>
-              </a:rPr>
-              <a:t>供货</a:t>
-            </a:r>
-            <a:r>
-              <a:rPr lang="zh-CN" altLang="en-US" sz="2400" dirty="0">
-                <a:latin typeface="+mn-ea"/>
-              </a:rPr>
-              <a:t>商上架了</a:t>
-            </a:r>
-            <a:r>
-              <a:rPr lang="en-US" altLang="zh-CN" sz="2400" dirty="0">
-                <a:latin typeface="+mn-ea"/>
-              </a:rPr>
-              <a:t>SPU</a:t>
-            </a:r>
-            <a:r>
-              <a:rPr lang="zh-CN" altLang="en-US" sz="2400" dirty="0">
-                <a:latin typeface="+mn-ea"/>
-              </a:rPr>
-              <a:t>就会生成一个</a:t>
-            </a:r>
-            <a:r>
-              <a:rPr lang="en-US" altLang="zh-CN" sz="2400" dirty="0" err="1" smtClean="0">
-                <a:latin typeface="+mn-ea"/>
-              </a:rPr>
-              <a:t>SupplierSku</a:t>
-            </a:r>
-            <a:endParaRPr lang="en-US" altLang="zh-CN" sz="2400" dirty="0">
-              <a:latin typeface="+mn-ea"/>
-            </a:endParaRPr>
-          </a:p>
-          <a:p>
-            <a:r>
-              <a:rPr lang="en-US" altLang="zh-CN" sz="2400" dirty="0" err="1" smtClean="0">
-                <a:latin typeface="+mn-ea"/>
-              </a:rPr>
-              <a:t>DistributorSku</a:t>
-            </a:r>
-            <a:r>
-              <a:rPr lang="en-US" altLang="zh-CN" sz="2400" dirty="0" smtClean="0">
-                <a:latin typeface="+mn-ea"/>
-              </a:rPr>
-              <a:t>:</a:t>
-            </a:r>
-            <a:r>
-              <a:rPr lang="zh-CN" altLang="en-US" sz="2400" dirty="0" smtClean="0">
-                <a:latin typeface="+mn-ea"/>
-              </a:rPr>
-              <a:t>经销商</a:t>
-            </a:r>
-            <a:r>
-              <a:rPr lang="zh-CN" altLang="en-US" sz="2400" dirty="0">
-                <a:latin typeface="+mn-ea"/>
-              </a:rPr>
-              <a:t>上架了供货商的</a:t>
-            </a:r>
-            <a:r>
-              <a:rPr lang="en-US" altLang="zh-CN" sz="2400" dirty="0">
-                <a:latin typeface="+mn-ea"/>
-              </a:rPr>
-              <a:t>SKU</a:t>
-            </a:r>
-            <a:r>
-              <a:rPr lang="zh-CN" altLang="en-US" sz="2400" dirty="0">
-                <a:latin typeface="+mn-ea"/>
-              </a:rPr>
-              <a:t>就会生成一个</a:t>
-            </a:r>
-            <a:r>
-              <a:rPr lang="en-US" altLang="zh-CN" sz="2400" dirty="0" err="1" smtClean="0">
-                <a:latin typeface="+mn-ea"/>
-              </a:rPr>
-              <a:t>DistributorSKU</a:t>
-            </a:r>
-            <a:endParaRPr lang="en-US" altLang="zh-CN" sz="2400" dirty="0" smtClean="0">
-              <a:latin typeface="+mn-ea"/>
-            </a:endParaRPr>
-          </a:p>
-          <a:p>
-            <a:r>
-              <a:rPr lang="en-US" altLang="zh-CN" sz="2400" dirty="0" err="1" smtClean="0">
-                <a:latin typeface="+mn-ea"/>
-                <a:sym typeface="+mn-ea"/>
-              </a:rPr>
-              <a:t>ECM(TC)</a:t>
-            </a:r>
-            <a:r>
-              <a:rPr lang="en-US" altLang="zh-CN" sz="2400" dirty="0" err="1" smtClean="0">
-                <a:latin typeface="+mn-ea"/>
-              </a:rPr>
-              <a:t>库</a:t>
-            </a:r>
-            <a:r>
-              <a:rPr lang="zh-CN" altLang="en-US" sz="2400" dirty="0" smtClean="0">
-                <a:latin typeface="+mn-ea"/>
-              </a:rPr>
-              <a:t>存</a:t>
-            </a:r>
-            <a:r>
-              <a:rPr lang="en-US" altLang="zh-CN" sz="2400" dirty="0">
-                <a:latin typeface="+mn-ea"/>
-              </a:rPr>
-              <a:t>:</a:t>
-            </a:r>
-            <a:r>
-              <a:rPr lang="zh-CN" altLang="en-US" sz="2400" dirty="0" smtClean="0">
-                <a:latin typeface="+mn-ea"/>
-              </a:rPr>
-              <a:t>集团维护了一套自己的库存系统，分销库存管理需要与之</a:t>
-            </a:r>
-            <a:r>
-              <a:rPr lang="zh-CN" altLang="en-US" sz="2400" dirty="0" smtClean="0">
-                <a:latin typeface="+mn-ea"/>
-              </a:rPr>
-              <a:t>对接</a:t>
-            </a:r>
-            <a:endParaRPr lang="en-US" altLang="zh-CN" sz="2400" dirty="0" smtClean="0">
-              <a:latin typeface="+mn-ea"/>
-            </a:endParaRPr>
-          </a:p>
-          <a:p>
-            <a:endParaRPr lang="en-US" altLang="zh-CN" sz="2400" dirty="0" smtClean="0">
-              <a:latin typeface="+mn-ea"/>
-            </a:endParaRPr>
-          </a:p>
-          <a:p>
-            <a:pPr marL="0" indent="0">
-              <a:buNone/>
-            </a:pPr>
-            <a:endParaRPr lang="en-US" altLang="zh-CN" sz="2400" dirty="0" smtClean="0">
-              <a:latin typeface="+mn-ea"/>
-            </a:endParaRPr>
-          </a:p>
-          <a:p>
-            <a:endParaRPr lang="zh-CN" altLang="en-US" dirty="0">
-              <a:latin typeface="+mn-ea"/>
-            </a:endParaRPr>
+              <a:rPr lang="zh-CN" altLang="en-US" dirty="0" smtClean="0"/>
+              <a:t>预扣</a:t>
+            </a:r>
+            <a:r>
+              <a:rPr lang="en-US" altLang="zh-CN" dirty="0" smtClean="0"/>
+              <a:t>: </a:t>
+            </a:r>
+            <a:r>
+              <a:rPr lang="zh-CN" altLang="en-US" dirty="0" smtClean="0"/>
+              <a:t>购买服务在下单前会预扣</a:t>
+            </a:r>
+            <a:endParaRPr lang="en-US" altLang="zh-CN" dirty="0" smtClean="0"/>
+          </a:p>
+          <a:p>
+            <a:r>
+              <a:rPr lang="zh-CN" altLang="en-US" dirty="0" smtClean="0"/>
+              <a:t>实扣</a:t>
+            </a:r>
+            <a:r>
+              <a:rPr lang="en-US" altLang="zh-CN" dirty="0" smtClean="0"/>
+              <a:t>: </a:t>
+            </a:r>
+            <a:r>
+              <a:rPr lang="zh-CN" altLang="en-US" dirty="0" smtClean="0"/>
+              <a:t>用户支付后，</a:t>
+            </a:r>
+            <a:r>
+              <a:rPr lang="en-US" altLang="zh-CN" dirty="0" err="1" smtClean="0"/>
+              <a:t>daemon_buy</a:t>
+            </a:r>
+            <a:r>
+              <a:rPr lang="zh-CN" altLang="en-US" dirty="0" smtClean="0"/>
+              <a:t>会实扣</a:t>
+            </a:r>
+            <a:endParaRPr lang="en-US" altLang="zh-CN" dirty="0" smtClean="0"/>
+          </a:p>
+          <a:p>
+            <a:r>
+              <a:rPr lang="zh-CN" altLang="en-US" dirty="0" smtClean="0"/>
+              <a:t>回退</a:t>
+            </a:r>
+            <a:r>
+              <a:rPr lang="en-US" altLang="zh-CN" dirty="0" smtClean="0"/>
+              <a:t>: </a:t>
+            </a:r>
+            <a:r>
+              <a:rPr lang="zh-CN" altLang="en-US" dirty="0" smtClean="0"/>
+              <a:t>下单失败</a:t>
+            </a:r>
+            <a:r>
+              <a:rPr lang="en-US" altLang="zh-CN" dirty="0" smtClean="0"/>
+              <a:t>, </a:t>
+            </a:r>
+            <a:r>
+              <a:rPr lang="zh-CN" altLang="en-US" dirty="0" smtClean="0"/>
+              <a:t>订单支付前取消</a:t>
+            </a:r>
+            <a:endParaRPr lang="zh-CN" altLang="en-US" dirty="0"/>
           </a:p>
         </p:txBody>
       </p:sp>
@@ -11371,11 +11447,65 @@
           </a:p>
         </p:txBody>
       </p:sp>
+      <p:sp>
+        <p:nvSpPr>
+          <p:cNvPr id="5" name="Shape 218"/>
+          <p:cNvSpPr/>
+          <p:nvPr/>
+        </p:nvSpPr>
+        <p:spPr>
+          <a:xfrm>
+            <a:off x="77056" y="94566"/>
+            <a:ext cx="47625" cy="381000"/>
+          </a:xfrm>
+          <a:prstGeom prst="rect">
+            <a:avLst/>
+          </a:prstGeom>
+          <a:solidFill>
+            <a:srgbClr val="0070C0"/>
+          </a:solidFill>
+          <a:ln w="12700">
+            <a:solidFill>
+              <a:srgbClr val="0070C0"/>
+            </a:solidFill>
+            <a:miter lim="400000"/>
+          </a:ln>
+        </p:spPr>
+        <p:txBody>
+          <a:bodyPr lIns="19050" tIns="19050" rIns="19050" bIns="19050" anchor="ctr"/>
+          <a:lstStyle/>
+          <a:p>
+            <a:pPr defTabSz="862330">
+              <a:defRPr sz="4600">
+                <a:solidFill>
+                  <a:srgbClr val="FFFFFF"/>
+                </a:solidFill>
+                <a:latin typeface="Calibri" panose="020F0502020204030204"/>
+                <a:ea typeface="Calibri" panose="020F0502020204030204"/>
+                <a:cs typeface="Calibri" panose="020F0502020204030204"/>
+                <a:sym typeface="Calibri" panose="020F0502020204030204"/>
+              </a:defRPr>
+            </a:pPr>
+            <a:endParaRPr sz="1725">
+              <a:solidFill>
+                <a:srgbClr val="0070C0"/>
+              </a:solidFill>
+            </a:endParaRPr>
+          </a:p>
+        </p:txBody>
+      </p:sp>
     </p:spTree>
   </p:cSld>
   <p:clrMapOvr>
     <a:masterClrMapping/>
   </p:clrMapOvr>
+  <p:timing>
+    <p:tnLst>
+      <p:par>
+        <p:cTn id="1" dur="indefinite" restart="never" nodeType="tmRoot"/>
+      </p:par>
+    </p:tnLst>
+  </p:timing>
 </p:sld>
 </file>
 
@@ -11406,75 +11536,138 @@
             <p:ph idx="1"/>
           </p:nvPr>
         </p:nvSpPr>
-        <p:spPr>
-          <a:xfrm>
-            <a:off x="838200" y="1835785"/>
-            <a:ext cx="10515600" cy="4351338"/>
-          </a:xfrm>
-        </p:spPr>
+        <p:spPr/>
         <p:txBody>
           <a:bodyPr/>
           <a:lstStyle/>
           <a:p>
             <a:r>
               <a:rPr lang="zh-CN" altLang="en-US" dirty="0" smtClean="0"/>
-              <a:t>预扣</a:t>
+              <a:t>线下供货商库存</a:t>
             </a:r>
             <a:r>
               <a:rPr lang="en-US" altLang="zh-CN" dirty="0" smtClean="0"/>
+              <a:t>(</a:t>
+            </a:r>
+            <a:r>
+              <a:rPr lang="en-US" altLang="zh-CN" dirty="0" err="1" smtClean="0"/>
+              <a:t>ao_supplier</a:t>
+            </a:r>
+            <a:r>
+              <a:rPr lang="en-US" altLang="zh-CN" dirty="0" smtClean="0"/>
+              <a:t>)</a:t>
+            </a:r>
+          </a:p>
+          <a:p>
+            <a:pPr lvl="1"/>
+            <a:r>
+              <a:rPr lang="zh-CN" altLang="en-US" dirty="0" smtClean="0"/>
+              <a:t>只有一个仓库：库存</a:t>
+            </a:r>
+            <a:r>
+              <a:rPr lang="zh-CN" altLang="en-US" dirty="0"/>
+              <a:t>直接</a:t>
+            </a:r>
+            <a:r>
+              <a:rPr lang="zh-CN" altLang="en-US" dirty="0" smtClean="0"/>
+              <a:t>记在</a:t>
+            </a:r>
+            <a:r>
+              <a:rPr lang="en-US" altLang="zh-CN" dirty="0" err="1" smtClean="0"/>
+              <a:t>t_supplier_sku</a:t>
+            </a:r>
+            <a:r>
+              <a:rPr lang="zh-CN" altLang="en-US" dirty="0" smtClean="0"/>
+              <a:t>上</a:t>
+            </a:r>
+            <a:endParaRPr lang="en-US" altLang="zh-CN" dirty="0" smtClean="0"/>
+          </a:p>
+          <a:p>
+            <a:pPr lvl="1"/>
+            <a:r>
+              <a:rPr lang="zh-CN" altLang="en-US" dirty="0" smtClean="0"/>
+              <a:t>可售区域：每个供货商只有一个仓库，一份配送覆盖区域</a:t>
+            </a:r>
+            <a:endParaRPr lang="en-US" altLang="zh-CN" dirty="0"/>
+          </a:p>
+          <a:p>
+            <a:r>
+              <a:rPr lang="zh-CN" altLang="en-US" dirty="0" smtClean="0"/>
+              <a:t>线上供货商库存</a:t>
+            </a:r>
+            <a:r>
+              <a:rPr lang="en-US" altLang="zh-CN" dirty="0" smtClean="0"/>
+              <a:t>(</a:t>
+            </a:r>
+            <a:r>
+              <a:rPr lang="en-US" altLang="zh-CN" dirty="0" err="1" smtClean="0"/>
+              <a:t>ao_fxarea</a:t>
+            </a:r>
+            <a:r>
+              <a:rPr lang="en-US" altLang="zh-CN" dirty="0" smtClean="0"/>
+              <a:t>)</a:t>
+            </a:r>
+            <a:endParaRPr lang="en-US" altLang="zh-CN" dirty="0"/>
+          </a:p>
+          <a:p>
+            <a:pPr lvl="1"/>
+            <a:r>
+              <a:rPr lang="zh-CN" altLang="en-US" dirty="0" smtClean="0"/>
+              <a:t>多个仓库</a:t>
+            </a:r>
+            <a:r>
+              <a:rPr lang="en-US" altLang="zh-CN" dirty="0"/>
               <a:t>: </a:t>
             </a:r>
             <a:r>
+              <a:rPr lang="en-US" altLang="zh-CN" dirty="0" err="1" smtClean="0"/>
+              <a:t>t_store_supplierskuid</a:t>
+            </a:r>
+            <a:endParaRPr lang="en-US" altLang="zh-CN" dirty="0" smtClean="0"/>
+          </a:p>
+          <a:p>
+            <a:pPr lvl="1"/>
+            <a:r>
               <a:rPr lang="zh-CN" altLang="en-US" dirty="0" smtClean="0"/>
-              <a:t>购买服务在下单前会预扣</a:t>
+              <a:t>支持配置虚拟仓（全国仓）：供货商</a:t>
+            </a:r>
+            <a:r>
+              <a:rPr lang="en-US" altLang="zh-CN" dirty="0" smtClean="0"/>
+              <a:t>+</a:t>
+            </a:r>
+            <a:r>
+              <a:rPr lang="zh-CN" altLang="en-US" dirty="0" smtClean="0"/>
+              <a:t>品类列表，</a:t>
+            </a:r>
+            <a:r>
+              <a:rPr lang="zh-CN" altLang="en-US" dirty="0"/>
+              <a:t>在</a:t>
+            </a:r>
+            <a:r>
+              <a:rPr lang="en-US" altLang="zh-CN" dirty="0" err="1" smtClean="0"/>
+              <a:t>ao_fxarea</a:t>
+            </a:r>
+            <a:r>
+              <a:rPr lang="zh-CN" altLang="en-US" dirty="0" smtClean="0"/>
+              <a:t>的配置</a:t>
             </a:r>
             <a:endParaRPr lang="en-US" altLang="zh-CN" dirty="0" smtClean="0"/>
           </a:p>
           <a:p>
+            <a:pPr lvl="1"/>
             <a:r>
               <a:rPr lang="zh-CN" altLang="en-US" dirty="0" smtClean="0"/>
-              <a:t>实扣</a:t>
+              <a:t>对接</a:t>
             </a:r>
             <a:r>
               <a:rPr lang="en-US" altLang="zh-CN" dirty="0" smtClean="0"/>
-              <a:t>: </a:t>
+              <a:t>ECM</a:t>
             </a:r>
             <a:r>
               <a:rPr lang="zh-CN" altLang="en-US" dirty="0" smtClean="0"/>
-              <a:t>用户支付后，</a:t>
-            </a:r>
-            <a:r>
-              <a:rPr lang="en-US" altLang="zh-CN" dirty="0" err="1" smtClean="0"/>
-              <a:t>daemon_buy</a:t>
-            </a:r>
-            <a:r>
-              <a:rPr lang="zh-CN" altLang="en-US" dirty="0" smtClean="0"/>
-              <a:t>会实扣</a:t>
+              <a:t>，自动同步后端的库存</a:t>
             </a:r>
             <a:endParaRPr lang="en-US" altLang="zh-CN" dirty="0" smtClean="0"/>
-          </a:p>
-          <a:p>
-            <a:r>
-              <a:rPr lang="zh-CN" altLang="en-US" dirty="0" smtClean="0"/>
-              <a:t>回退</a:t>
-            </a:r>
-            <a:r>
-              <a:rPr lang="en-US" altLang="zh-CN" dirty="0" smtClean="0"/>
-              <a:t>: </a:t>
-            </a:r>
-            <a:r>
-              <a:rPr lang="zh-CN" altLang="en-US" dirty="0" smtClean="0"/>
-              <a:t>下单失败</a:t>
-            </a:r>
-            <a:r>
-              <a:rPr lang="en-US" altLang="zh-CN" dirty="0" smtClean="0"/>
-              <a:t>, </a:t>
-            </a:r>
-            <a:r>
-              <a:rPr lang="zh-CN" altLang="en-US" dirty="0" smtClean="0"/>
-              <a:t>订单支付前取消</a:t>
-            </a:r>
-            <a:endParaRPr lang="zh-CN" altLang="en-US" dirty="0"/>
           </a:p>
         </p:txBody>
       </p:sp>
@@ -11529,11 +11722,65 @@
           </a:p>
         </p:txBody>
       </p:sp>
+      <p:sp>
+        <p:nvSpPr>
+          <p:cNvPr id="5" name="Shape 218"/>
+          <p:cNvSpPr/>
+          <p:nvPr/>
+        </p:nvSpPr>
+        <p:spPr>
+          <a:xfrm>
+            <a:off x="77056" y="94566"/>
+            <a:ext cx="47625" cy="381000"/>
+          </a:xfrm>
+          <a:prstGeom prst="rect">
+            <a:avLst/>
+          </a:prstGeom>
+          <a:solidFill>
+            <a:srgbClr val="0070C0"/>
+          </a:solidFill>
+          <a:ln w="12700">
+            <a:solidFill>
+              <a:srgbClr val="0070C0"/>
+            </a:solidFill>
+            <a:miter lim="400000"/>
+          </a:ln>
+        </p:spPr>
+        <p:txBody>
+          <a:bodyPr lIns="19050" tIns="19050" rIns="19050" bIns="19050" anchor="ctr"/>
+          <a:lstStyle/>
+          <a:p>
+            <a:pPr defTabSz="862330">
+              <a:defRPr sz="4600">
+                <a:solidFill>
+                  <a:srgbClr val="FFFFFF"/>
+                </a:solidFill>
+                <a:latin typeface="Calibri" panose="020F0502020204030204"/>
+                <a:ea typeface="Calibri" panose="020F0502020204030204"/>
+                <a:cs typeface="Calibri" panose="020F0502020204030204"/>
+                <a:sym typeface="Calibri" panose="020F0502020204030204"/>
+              </a:defRPr>
+            </a:pPr>
+            <a:endParaRPr sz="1725">
+              <a:solidFill>
+                <a:srgbClr val="0070C0"/>
+              </a:solidFill>
+            </a:endParaRPr>
+          </a:p>
+        </p:txBody>
+      </p:sp>
     </p:spTree>
   </p:cSld>
   <p:clrMapOvr>
     <a:masterClrMapping/>
   </p:clrMapOvr>
+  <p:timing>
+    <p:tnLst>
+      <p:par>
+        <p:cTn id="1" dur="indefinite" restart="never" nodeType="tmRoot"/>
+      </p:par>
+    </p:tnLst>
+  </p:timing>
 </p:sld>
 </file>
 
@@ -11554,154 +11801,205 @@
           <a:chExt cx="0" cy="0"/>
         </a:xfrm>
       </p:grpSpPr>
-      <p:sp>
-        <p:nvSpPr>
-          <p:cNvPr id="3" name="内容占位符 2"/>
-          <p:cNvSpPr>
-            <a:spLocks noGrp="1"/>
-          </p:cNvSpPr>
+      <p:graphicFrame>
+        <p:nvGraphicFramePr>
+          <p:cNvPr id="4" name="内容占位符 3"/>
+          <p:cNvGraphicFramePr>
+            <a:graphicFrameLocks noGrp="1"/>
+          </p:cNvGraphicFramePr>
           <p:nvPr>
             <p:ph idx="1"/>
           </p:nvPr>
-        </p:nvSpPr>
-        <p:spPr/>
-        <p:txBody>
-          <a:bodyPr/>
+        </p:nvGraphicFramePr>
+        <p:xfrm>
+          <a:off x="5434129" y="883792"/>
+          <a:ext cx="6757871" cy="5452999"/>
+        </p:xfrm>
+        <a:graphic>
+          <a:graphicData uri="http://schemas.openxmlformats.org/drawingml/2006/diagram">
+            <dgm:relIds xmlns:dgm="http://schemas.openxmlformats.org/drawingml/2006/diagram" xmlns:r="http://schemas.openxmlformats.org/officeDocument/2006/relationships" r:dm="rId2" r:lo="rId3" r:qs="rId4" r:cs="rId5"/>
+          </a:graphicData>
+        </a:graphic>
+      </p:graphicFrame>
+      <p:sp>
+        <p:nvSpPr>
+          <p:cNvPr id="6" name="文本框 5"/>
+          <p:cNvSpPr txBox="1"/>
+          <p:nvPr/>
+        </p:nvSpPr>
+        <p:spPr>
+          <a:xfrm>
+            <a:off x="1423407" y="2057791"/>
+            <a:ext cx="2745983" cy="369332"/>
+          </a:xfrm>
+          <a:prstGeom prst="rect">
+            <a:avLst/>
+          </a:prstGeom>
+          <a:noFill/>
+        </p:spPr>
+        <p:txBody>
+          <a:bodyPr wrap="square" rtlCol="0">
+            <a:spAutoFit/>
+          </a:bodyPr>
           <a:lstStyle/>
           <a:p>
             <a:r>
-              <a:rPr lang="zh-CN" altLang="en-US" dirty="0" smtClean="0"/>
-              <a:t>线下供货商库存</a:t>
-            </a:r>
-            <a:r>
-              <a:rPr lang="en-US" altLang="zh-CN" dirty="0" smtClean="0"/>
-              <a:t>(</a:t>
-            </a:r>
-            <a:r>
-              <a:rPr lang="en-US" altLang="zh-CN" dirty="0" err="1" smtClean="0"/>
-              <a:t>ao_supplier</a:t>
-            </a:r>
-            <a:r>
-              <a:rPr lang="en-US" altLang="zh-CN" dirty="0" smtClean="0"/>
-              <a:t>)</a:t>
-            </a:r>
-            <a:endParaRPr lang="en-US" altLang="zh-CN" dirty="0" smtClean="0"/>
-          </a:p>
-          <a:p>
-            <a:pPr lvl="1"/>
-            <a:r>
-              <a:rPr lang="zh-CN" altLang="en-US" dirty="0" smtClean="0"/>
-              <a:t>只有一个仓库：库存</a:t>
-            </a:r>
-            <a:r>
-              <a:rPr lang="zh-CN" altLang="en-US" dirty="0"/>
-              <a:t>直接</a:t>
-            </a:r>
-            <a:r>
-              <a:rPr lang="zh-CN" altLang="en-US" dirty="0" smtClean="0"/>
-              <a:t>记在</a:t>
-            </a:r>
-            <a:r>
-              <a:rPr lang="en-US" altLang="zh-CN" dirty="0" err="1" smtClean="0"/>
-              <a:t>supplier_sku</a:t>
-            </a:r>
-            <a:r>
-              <a:rPr lang="zh-CN" altLang="en-US" dirty="0" smtClean="0"/>
-              <a:t>上</a:t>
-            </a:r>
-            <a:endParaRPr lang="en-US" altLang="zh-CN" dirty="0" smtClean="0"/>
-          </a:p>
-          <a:p>
-            <a:pPr lvl="1"/>
-            <a:r>
-              <a:rPr lang="zh-CN" altLang="en-US" dirty="0" smtClean="0"/>
-              <a:t>可售区域：每个供货商只有一个仓库，一份配送覆盖区域</a:t>
-            </a:r>
-            <a:endParaRPr lang="en-US" altLang="zh-CN" dirty="0"/>
-          </a:p>
-          <a:p>
-            <a:r>
-              <a:rPr lang="zh-CN" altLang="en-US" dirty="0" smtClean="0"/>
-              <a:t>线上供货商库存</a:t>
-            </a:r>
-            <a:r>
-              <a:rPr lang="en-US" altLang="zh-CN" dirty="0" smtClean="0"/>
-              <a:t>(</a:t>
-            </a:r>
-            <a:r>
-              <a:rPr lang="en-US" altLang="zh-CN" dirty="0" err="1" smtClean="0"/>
-              <a:t>ao_fxarea</a:t>
-            </a:r>
-            <a:r>
-              <a:rPr lang="en-US" altLang="zh-CN" dirty="0" smtClean="0"/>
-              <a:t>)</a:t>
-            </a:r>
-            <a:endParaRPr lang="en-US" altLang="zh-CN" dirty="0"/>
-          </a:p>
-          <a:p>
-            <a:pPr lvl="1"/>
-            <a:r>
-              <a:rPr lang="zh-CN" altLang="en-US" dirty="0" smtClean="0"/>
-              <a:t>多个仓库</a:t>
-            </a:r>
-            <a:endParaRPr lang="en-US" altLang="zh-CN" dirty="0" smtClean="0"/>
-          </a:p>
-          <a:p>
-            <a:pPr lvl="1"/>
-            <a:r>
-              <a:rPr lang="zh-CN" altLang="en-US" dirty="0" smtClean="0"/>
-              <a:t>支持配置虚拟仓（全国仓）：供货商</a:t>
-            </a:r>
-            <a:r>
-              <a:rPr lang="en-US" altLang="zh-CN" dirty="0" smtClean="0"/>
-              <a:t>+</a:t>
-            </a:r>
-            <a:r>
-              <a:rPr lang="zh-CN" altLang="en-US" dirty="0" smtClean="0"/>
-              <a:t>品类列表，</a:t>
-            </a:r>
-            <a:r>
-              <a:rPr lang="zh-CN" altLang="en-US" dirty="0"/>
-              <a:t>在</a:t>
-            </a:r>
-            <a:r>
-              <a:rPr lang="en-US" altLang="zh-CN" dirty="0" err="1" smtClean="0"/>
-              <a:t>ao_fxarea</a:t>
-            </a:r>
-            <a:r>
-              <a:rPr lang="zh-CN" altLang="en-US" dirty="0" smtClean="0"/>
-              <a:t>的配置</a:t>
-            </a:r>
-            <a:endParaRPr lang="en-US" altLang="zh-CN" dirty="0" smtClean="0"/>
-          </a:p>
-          <a:p>
-            <a:pPr lvl="1"/>
-            <a:r>
-              <a:rPr lang="zh-CN" altLang="en-US" dirty="0" smtClean="0"/>
-              <a:t>对接</a:t>
-            </a:r>
-            <a:r>
-              <a:rPr lang="en-US" altLang="zh-CN" dirty="0" smtClean="0"/>
-              <a:t>ECM</a:t>
-            </a:r>
-            <a:r>
-              <a:rPr lang="zh-CN" altLang="en-US" dirty="0" smtClean="0"/>
-              <a:t>，自动同步后端的库存</a:t>
-            </a:r>
-            <a:endParaRPr lang="en-US" altLang="zh-CN" dirty="0" smtClean="0"/>
-          </a:p>
-        </p:txBody>
-      </p:sp>
-      <p:sp>
-        <p:nvSpPr>
-          <p:cNvPr id="4" name="Shape 217"/>
+              <a:rPr lang="zh-CN" altLang="en-US" dirty="0" smtClean="0">
+                <a:latin typeface="微软雅黑" panose="020B0503020204020204" charset="-122"/>
+                <a:ea typeface="微软雅黑" panose="020B0503020204020204" charset="-122"/>
+              </a:rPr>
+              <a:t>商品：销售出去的东</a:t>
+            </a:r>
+            <a:r>
+              <a:rPr lang="zh-CN" altLang="en-US" dirty="0">
+                <a:latin typeface="微软雅黑" panose="020B0503020204020204" charset="-122"/>
+                <a:ea typeface="微软雅黑" panose="020B0503020204020204" charset="-122"/>
+              </a:rPr>
+              <a:t>西</a:t>
+            </a:r>
+          </a:p>
+        </p:txBody>
+      </p:sp>
+      <p:sp>
+        <p:nvSpPr>
+          <p:cNvPr id="7" name="文本框 6"/>
+          <p:cNvSpPr txBox="1"/>
+          <p:nvPr/>
+        </p:nvSpPr>
+        <p:spPr>
+          <a:xfrm>
+            <a:off x="1399984" y="2734055"/>
+            <a:ext cx="1846078" cy="369331"/>
+          </a:xfrm>
+          <a:prstGeom prst="rect">
+            <a:avLst/>
+          </a:prstGeom>
+          <a:noFill/>
+        </p:spPr>
+        <p:txBody>
+          <a:bodyPr wrap="square" rtlCol="0">
+            <a:spAutoFit/>
+          </a:bodyPr>
+          <a:lstStyle/>
+          <a:p>
+            <a:r>
+              <a:rPr lang="zh-CN" altLang="en-US" dirty="0" smtClean="0">
+                <a:latin typeface="微软雅黑" panose="020B0503020204020204" charset="-122"/>
+                <a:ea typeface="微软雅黑" panose="020B0503020204020204" charset="-122"/>
+              </a:rPr>
+              <a:t>用户：消费者</a:t>
+            </a:r>
+            <a:endParaRPr lang="zh-CN" altLang="en-US" dirty="0">
+              <a:latin typeface="微软雅黑" panose="020B0503020204020204" charset="-122"/>
+              <a:ea typeface="微软雅黑" panose="020B0503020204020204" charset="-122"/>
+            </a:endParaRPr>
+          </a:p>
+        </p:txBody>
+      </p:sp>
+      <p:sp>
+        <p:nvSpPr>
+          <p:cNvPr id="8" name="文本框 7"/>
+          <p:cNvSpPr txBox="1"/>
+          <p:nvPr/>
+        </p:nvSpPr>
+        <p:spPr>
+          <a:xfrm>
+            <a:off x="1399983" y="3366727"/>
+            <a:ext cx="3000242" cy="369332"/>
+          </a:xfrm>
+          <a:prstGeom prst="rect">
+            <a:avLst/>
+          </a:prstGeom>
+          <a:noFill/>
+        </p:spPr>
+        <p:txBody>
+          <a:bodyPr wrap="square" rtlCol="0">
+            <a:spAutoFit/>
+          </a:bodyPr>
+          <a:lstStyle/>
+          <a:p>
+            <a:r>
+              <a:rPr lang="zh-CN" altLang="en-US" dirty="0">
+                <a:latin typeface="微软雅黑" panose="020B0503020204020204" charset="-122"/>
+                <a:ea typeface="微软雅黑" panose="020B0503020204020204" charset="-122"/>
+              </a:rPr>
+              <a:t>订单</a:t>
+            </a:r>
+            <a:r>
+              <a:rPr lang="zh-CN" altLang="en-US" dirty="0" smtClean="0">
+                <a:latin typeface="微软雅黑" panose="020B0503020204020204" charset="-122"/>
+                <a:ea typeface="微软雅黑" panose="020B0503020204020204" charset="-122"/>
+              </a:rPr>
+              <a:t>：</a:t>
+            </a:r>
+            <a:r>
+              <a:rPr kumimoji="1" lang="zh-CN" altLang="en-US" dirty="0">
+                <a:latin typeface="微软雅黑" panose="020B0503020204020204" charset="-122"/>
+                <a:ea typeface="微软雅黑" panose="020B0503020204020204" charset="-122"/>
+                <a:cs typeface="微软雅黑" panose="020B0503020204020204" charset="-122"/>
+              </a:rPr>
+              <a:t>用户买了什么东西</a:t>
+            </a:r>
+            <a:endParaRPr lang="zh-CN" altLang="en-US" dirty="0">
+              <a:latin typeface="微软雅黑" panose="020B0503020204020204" charset="-122"/>
+              <a:ea typeface="微软雅黑" panose="020B0503020204020204" charset="-122"/>
+            </a:endParaRPr>
+          </a:p>
+        </p:txBody>
+      </p:sp>
+      <p:sp>
+        <p:nvSpPr>
+          <p:cNvPr id="9" name="文本框 8"/>
+          <p:cNvSpPr txBox="1"/>
+          <p:nvPr/>
+        </p:nvSpPr>
+        <p:spPr>
+          <a:xfrm>
+            <a:off x="1446832" y="3999400"/>
+            <a:ext cx="2805128" cy="369332"/>
+          </a:xfrm>
+          <a:prstGeom prst="rect">
+            <a:avLst/>
+          </a:prstGeom>
+          <a:noFill/>
+        </p:spPr>
+        <p:txBody>
+          <a:bodyPr wrap="square" rtlCol="0">
+            <a:spAutoFit/>
+          </a:bodyPr>
+          <a:lstStyle/>
+          <a:p>
+            <a:r>
+              <a:rPr lang="zh-CN" altLang="en-US" dirty="0">
+                <a:latin typeface="微软雅黑" panose="020B0503020204020204" charset="-122"/>
+                <a:ea typeface="微软雅黑" panose="020B0503020204020204" charset="-122"/>
+              </a:rPr>
+              <a:t>库存</a:t>
+            </a:r>
+            <a:r>
+              <a:rPr lang="zh-CN" altLang="en-US" dirty="0" smtClean="0">
+                <a:latin typeface="微软雅黑" panose="020B0503020204020204" charset="-122"/>
+                <a:ea typeface="微软雅黑" panose="020B0503020204020204" charset="-122"/>
+              </a:rPr>
+              <a:t>：集团卖的东西集合</a:t>
+            </a:r>
+            <a:endParaRPr lang="zh-CN" altLang="en-US" dirty="0">
+              <a:latin typeface="微软雅黑" panose="020B0503020204020204" charset="-122"/>
+              <a:ea typeface="微软雅黑" panose="020B0503020204020204" charset="-122"/>
+            </a:endParaRPr>
+          </a:p>
+        </p:txBody>
+      </p:sp>
+      <p:sp>
+        <p:nvSpPr>
+          <p:cNvPr id="12" name="Shape 217"/>
           <p:cNvSpPr/>
           <p:nvPr/>
         </p:nvSpPr>
         <p:spPr>
           <a:xfrm>
-            <a:off x="281899" y="0"/>
-            <a:ext cx="3424014" cy="592470"/>
+            <a:off x="290575" y="59696"/>
+            <a:ext cx="1885131" cy="407804"/>
           </a:xfrm>
           <a:prstGeom prst="rect">
             <a:avLst/>
@@ -11714,30 +12012,67 @@
           <a:bodyPr wrap="none" lIns="19050" tIns="19050" rIns="19050" bIns="19050" anchor="ctr">
             <a:spAutoFit/>
           </a:bodyPr>
-          <a:p>
-            <a:pPr>
-              <a:lnSpc>
-                <a:spcPct val="150000"/>
-              </a:lnSpc>
+          <a:lstStyle/>
+          <a:p>
+            <a:r>
+              <a:rPr lang="zh-CN" altLang="en-US" sz="2400" b="1" dirty="0">
+                <a:solidFill>
+                  <a:schemeClr val="accent5"/>
+                </a:solidFill>
+              </a:rPr>
+              <a:t>供求关系说明</a:t>
+            </a:r>
+            <a:endParaRPr lang="en-US" altLang="zh-CN" sz="2400" b="1" dirty="0">
+              <a:solidFill>
+                <a:schemeClr val="accent5"/>
+              </a:solidFill>
+            </a:endParaRPr>
+          </a:p>
+        </p:txBody>
+      </p:sp>
+      <p:sp>
+        <p:nvSpPr>
+          <p:cNvPr id="13" name="Shape 218"/>
+          <p:cNvSpPr/>
+          <p:nvPr/>
+        </p:nvSpPr>
+        <p:spPr>
+          <a:xfrm>
+            <a:off x="77056" y="94566"/>
+            <a:ext cx="47625" cy="381000"/>
+          </a:xfrm>
+          <a:prstGeom prst="rect">
+            <a:avLst/>
+          </a:prstGeom>
+          <a:solidFill>
+            <a:srgbClr val="0070C0"/>
+          </a:solidFill>
+          <a:ln w="12700">
+            <a:solidFill>
+              <a:srgbClr val="0070C0"/>
+            </a:solidFill>
+            <a:miter lim="400000"/>
+          </a:ln>
+        </p:spPr>
+        <p:txBody>
+          <a:bodyPr lIns="19050" tIns="19050" rIns="19050" bIns="19050" anchor="ctr"/>
+          <a:lstStyle/>
+          <a:p>
+            <a:pPr defTabSz="862330">
+              <a:defRPr sz="4600">
+                <a:solidFill>
+                  <a:srgbClr val="FFFFFF"/>
+                </a:solidFill>
+                <a:latin typeface="Calibri" panose="020F0502020204030204"/>
+                <a:ea typeface="Calibri" panose="020F0502020204030204"/>
+                <a:cs typeface="Calibri" panose="020F0502020204030204"/>
+                <a:sym typeface="Calibri" panose="020F0502020204030204"/>
+              </a:defRPr>
             </a:pPr>
-            <a:r>
-              <a:rPr lang="zh-CN" altLang="en-US" sz="2400" b="1" dirty="0" smtClean="0">
-                <a:solidFill>
-                  <a:srgbClr val="0070C0"/>
-                </a:solidFill>
-                <a:latin typeface="微软雅黑" panose="020B0503020204020204" charset="-122"/>
-                <a:ea typeface="微软雅黑" panose="020B0503020204020204" charset="-122"/>
-                <a:cs typeface="微软雅黑" panose="020B0503020204020204" charset="-122"/>
-              </a:rPr>
-              <a:t>库存相关概念及名称解释</a:t>
-            </a:r>
-            <a:endParaRPr sz="2400" b="1" dirty="0">
+            <a:endParaRPr sz="1725">
               <a:solidFill>
                 <a:srgbClr val="0070C0"/>
               </a:solidFill>
-              <a:latin typeface="微软雅黑" panose="020B0503020204020204" charset="-122"/>
-              <a:ea typeface="微软雅黑" panose="020B0503020204020204" charset="-122"/>
-              <a:cs typeface="微软雅黑" panose="020B0503020204020204" charset="-122"/>
             </a:endParaRPr>
           </a:p>
         </p:txBody>
@@ -11846,11 +12181,7 @@
             </a:r>
             <a:r>
               <a:rPr lang="zh-CN" altLang="en-US" sz="1800" dirty="0" smtClean="0"/>
-              <a:t>字段区分</a:t>
-            </a:r>
-            <a:r>
-              <a:rPr lang="zh-CN" altLang="en-US" sz="1800" dirty="0" smtClean="0"/>
-              <a:t>）</a:t>
+              <a:t>字段区分）</a:t>
             </a:r>
             <a:endParaRPr lang="zh-CN" altLang="en-US" sz="1800" dirty="0"/>
           </a:p>
@@ -12553,6 +12884,10 @@
               <a:rPr lang="zh-CN" altLang="en-US" dirty="0" smtClean="0"/>
               <a:t>操作员</a:t>
             </a:r>
+            <a:r>
+              <a:rPr lang="en-US" altLang="zh-CN" dirty="0" smtClean="0"/>
+              <a:t/>
+            </a:r>
             <a:br>
               <a:rPr lang="en-US" altLang="zh-CN" dirty="0" smtClean="0"/>
             </a:br>
@@ -12699,6 +13034,10 @@
               <a:rPr lang="zh-CN" altLang="en-US" dirty="0" smtClean="0"/>
               <a:t>分销员</a:t>
             </a:r>
+            <a:r>
+              <a:rPr lang="en-US" altLang="zh-CN" dirty="0" smtClean="0"/>
+              <a:t/>
+            </a:r>
             <a:br>
               <a:rPr lang="en-US" altLang="zh-CN" dirty="0" smtClean="0"/>
             </a:br>
@@ -12850,6 +13189,13 @@
   <p:clrMapOvr>
     <a:masterClrMapping/>
   </p:clrMapOvr>
+  <p:timing>
+    <p:tnLst>
+      <p:par>
+        <p:cTn id="1" dur="indefinite" restart="never" nodeType="tmRoot"/>
+      </p:par>
+    </p:tnLst>
+  </p:timing>
 </p:sld>
 </file>
 
@@ -12907,36 +13253,6 @@
           <p:nvPr/>
         </p:nvPicPr>
         <p:blipFill>
-          <a:blip r:embed="rId1">
-            <a:extLst>
-              <a:ext uri="{28A0092B-C50C-407E-A947-70E740481C1C}">
-                <a14:useLocalDpi xmlns:a14="http://schemas.microsoft.com/office/drawing/2010/main" val="0"/>
-              </a:ext>
-            </a:extLst>
-          </a:blip>
-          <a:stretch>
-            <a:fillRect/>
-          </a:stretch>
-        </p:blipFill>
-        <p:spPr>
-          <a:xfrm>
-            <a:off x="864870" y="1044056"/>
-            <a:ext cx="9030960" cy="4357711"/>
-          </a:xfrm>
-          <a:prstGeom prst="rect">
-            <a:avLst/>
-          </a:prstGeom>
-        </p:spPr>
-      </p:pic>
-      <p:pic>
-        <p:nvPicPr>
-          <p:cNvPr id="5" name="图片 4"/>
-          <p:cNvPicPr>
-            <a:picLocks noChangeAspect="1"/>
-          </p:cNvPicPr>
-          <p:nvPr/>
-        </p:nvPicPr>
-        <p:blipFill>
           <a:blip r:embed="rId2">
             <a:extLst>
               <a:ext uri="{28A0092B-C50C-407E-A947-70E740481C1C}">
@@ -12950,19 +13266,143 @@
         </p:blipFill>
         <p:spPr>
           <a:xfrm>
-            <a:off x="8237873" y="1387914"/>
-            <a:ext cx="3658945" cy="2731504"/>
+            <a:off x="864870" y="1044056"/>
+            <a:ext cx="9030960" cy="4357711"/>
           </a:xfrm>
           <a:prstGeom prst="rect">
             <a:avLst/>
           </a:prstGeom>
         </p:spPr>
       </p:pic>
+      <p:pic>
+        <p:nvPicPr>
+          <p:cNvPr id="5" name="图片 4"/>
+          <p:cNvPicPr>
+            <a:picLocks noChangeAspect="1"/>
+          </p:cNvPicPr>
+          <p:nvPr/>
+        </p:nvPicPr>
+        <p:blipFill>
+          <a:blip r:embed="rId3">
+            <a:extLst>
+              <a:ext uri="{28A0092B-C50C-407E-A947-70E740481C1C}">
+                <a14:useLocalDpi xmlns:a14="http://schemas.microsoft.com/office/drawing/2010/main" val="0"/>
+              </a:ext>
+            </a:extLst>
+          </a:blip>
+          <a:stretch>
+            <a:fillRect/>
+          </a:stretch>
+        </p:blipFill>
+        <p:spPr>
+          <a:xfrm>
+            <a:off x="8237873" y="1387914"/>
+            <a:ext cx="3658945" cy="2731504"/>
+          </a:xfrm>
+          <a:prstGeom prst="rect">
+            <a:avLst/>
+          </a:prstGeom>
+        </p:spPr>
+      </p:pic>
+      <p:sp>
+        <p:nvSpPr>
+          <p:cNvPr id="6" name="Shape 217"/>
+          <p:cNvSpPr/>
+          <p:nvPr/>
+        </p:nvSpPr>
+        <p:spPr>
+          <a:xfrm>
+            <a:off x="290575" y="59696"/>
+            <a:ext cx="1885131" cy="407804"/>
+          </a:xfrm>
+          <a:prstGeom prst="rect">
+            <a:avLst/>
+          </a:prstGeom>
+          <a:ln w="12700">
+            <a:miter lim="400000"/>
+          </a:ln>
+        </p:spPr>
+        <p:txBody>
+          <a:bodyPr wrap="none" lIns="19050" tIns="19050" rIns="19050" bIns="19050" anchor="ctr">
+            <a:spAutoFit/>
+          </a:bodyPr>
+          <a:lstStyle/>
+          <a:p>
+            <a:r>
+              <a:rPr lang="zh-CN" altLang="en-US" sz="2400" b="1" dirty="0">
+                <a:solidFill>
+                  <a:schemeClr val="accent5"/>
+                </a:solidFill>
+              </a:rPr>
+              <a:t>供求关系说明</a:t>
+            </a:r>
+            <a:endParaRPr lang="en-US" altLang="zh-CN" sz="2400" b="1" dirty="0">
+              <a:solidFill>
+                <a:schemeClr val="accent5"/>
+              </a:solidFill>
+            </a:endParaRPr>
+          </a:p>
+        </p:txBody>
+      </p:sp>
+      <p:sp>
+        <p:nvSpPr>
+          <p:cNvPr id="7" name="Shape 218"/>
+          <p:cNvSpPr/>
+          <p:nvPr/>
+        </p:nvSpPr>
+        <p:spPr>
+          <a:xfrm>
+            <a:off x="77056" y="94566"/>
+            <a:ext cx="47625" cy="381000"/>
+          </a:xfrm>
+          <a:prstGeom prst="rect">
+            <a:avLst/>
+          </a:prstGeom>
+          <a:solidFill>
+            <a:srgbClr val="0070C0"/>
+          </a:solidFill>
+          <a:ln w="12700">
+            <a:solidFill>
+              <a:srgbClr val="0070C0"/>
+            </a:solidFill>
+            <a:miter lim="400000"/>
+          </a:ln>
+        </p:spPr>
+        <p:txBody>
+          <a:bodyPr lIns="19050" tIns="19050" rIns="19050" bIns="19050" anchor="ctr"/>
+          <a:lstStyle/>
+          <a:p>
+            <a:pPr defTabSz="862330">
+              <a:defRPr sz="4600">
+                <a:solidFill>
+                  <a:srgbClr val="FFFFFF"/>
+                </a:solidFill>
+                <a:latin typeface="Calibri" panose="020F0502020204030204"/>
+                <a:ea typeface="Calibri" panose="020F0502020204030204"/>
+                <a:cs typeface="Calibri" panose="020F0502020204030204"/>
+                <a:sym typeface="Calibri" panose="020F0502020204030204"/>
+              </a:defRPr>
+            </a:pPr>
+            <a:endParaRPr sz="1725">
+              <a:solidFill>
+                <a:srgbClr val="0070C0"/>
+              </a:solidFill>
+            </a:endParaRPr>
+          </a:p>
+        </p:txBody>
+      </p:sp>
     </p:spTree>
   </p:cSld>
   <p:clrMapOvr>
     <a:masterClrMapping/>
   </p:clrMapOvr>
+  <p:timing>
+    <p:tnLst>
+      <p:par>
+        <p:cTn id="1" dur="indefinite" restart="never" nodeType="tmRoot"/>
+      </p:par>
+    </p:tnLst>
+  </p:timing>
 </p:sld>
 </file>
 
@@ -12995,7 +13435,7 @@
         </p:nvSpPr>
         <p:spPr>
           <a:xfrm>
-            <a:off x="1087490" y="475615"/>
+            <a:off x="1630698" y="765326"/>
             <a:ext cx="3200400" cy="490538"/>
           </a:xfrm>
         </p:spPr>
@@ -13024,14 +13464,14 @@
           </p:nvPr>
         </p:nvPicPr>
         <p:blipFill>
-          <a:blip r:embed="rId1"/>
+          <a:blip r:embed="rId3"/>
           <a:stretch>
             <a:fillRect/>
           </a:stretch>
         </p:blipFill>
         <p:spPr>
           <a:xfrm>
-            <a:off x="1087755" y="836930"/>
+            <a:off x="1630963" y="1126641"/>
             <a:ext cx="9632315" cy="5340350"/>
           </a:xfrm>
           <a:prstGeom prst="rect">
@@ -13392,6 +13832,8 @@
       </a:bgFillStyleLst>
     </a:fmtScheme>
   </a:themeElements>
+  <a:objectDefaults/>
+  <a:extraClrSchemeLst/>
   <a:extLst>
     <a:ext uri="{05A4C25C-085E-4340-85A3-A5531E510DB2}">
       <thm15:themeFamily xmlns:thm15="http://schemas.microsoft.com/office/thememl/2012/main" name="Office Theme" id="{62F939B6-93AF-4DB8-9C6B-D6C7DFDC589F}" vid="{4A3C46E8-61CC-4603-A589-7422A47A8E4A}"/>
@@ -13651,6 +14093,8 @@
       </a:bgFillStyleLst>
     </a:fmtScheme>
   </a:themeElements>
+  <a:objectDefaults/>
+  <a:extraClrSchemeLst/>
   <a:extLst>
     <a:ext uri="{05A4C25C-085E-4340-85A3-A5531E510DB2}">
       <thm15:themeFamily xmlns:thm15="http://schemas.microsoft.com/office/thememl/2012/main" name="Office Theme" id="{62F939B6-93AF-4DB8-9C6B-D6C7DFDC589F}" vid="{4A3C46E8-61CC-4603-A589-7422A47A8E4A}"/>
